--- a/AdvancedRxSwift/day3/AdvancedRxSwift3.pptx
+++ b/AdvancedRxSwift/day3/AdvancedRxSwift3.pptx
@@ -4148,11 +4148,7 @@
             </a:r>
             <a:r>
               <a:rPr lang="en-US" dirty="0" smtClean="0"/>
-              <a:t> Observable, Operator (Filter, Transform, Combine</a:t>
-            </a:r>
-            <a:r>
-              <a:rPr lang="en-US" dirty="0" smtClean="0"/>
-              <a:t>)</a:t>
+              <a:t> Observable, Operator (Filter, Transform, Combine)</a:t>
             </a:r>
             <a:endParaRPr lang="en-US" b="1" dirty="0" smtClean="0"/>
           </a:p>
@@ -4543,11 +4539,7 @@
             </a:r>
             <a:r>
               <a:rPr lang="en-US" b="1" dirty="0" smtClean="0"/>
-              <a:t>Binding Track Activity (show / hide ‘Loading’ </a:t>
-            </a:r>
-            <a:r>
-              <a:rPr lang="en-US" b="1" dirty="0" smtClean="0"/>
-              <a:t>)</a:t>
+              <a:t>Binding Track Activity (show / hide ‘Loading’ )</a:t>
             </a:r>
           </a:p>
           <a:p>
@@ -4937,10 +4929,6 @@
               </a:rPr>
               <a:t>}</a:t>
             </a:r>
-            <a:endParaRPr lang="en-US" sz="1600" dirty="0" smtClean="0">
-              <a:latin typeface="Courier"/>
-              <a:cs typeface="Courier"/>
-            </a:endParaRPr>
           </a:p>
         </p:txBody>
       </p:sp>
@@ -5817,11 +5805,11 @@
               <a:t>: </a:t>
             </a:r>
             <a:r>
-              <a:rPr lang="en-US" sz="1200" dirty="0" err="1">
-                <a:latin typeface="Courier"/>
-                <a:cs typeface="Courier"/>
-              </a:rPr>
-              <a:t>UIView</a:t>
+              <a:rPr lang="en-US" sz="1200" dirty="0" err="1" smtClean="0">
+                <a:latin typeface="Courier"/>
+                <a:cs typeface="Courier"/>
+              </a:rPr>
+              <a:t>UIImageView</a:t>
             </a:r>
             <a:r>
               <a:rPr lang="en-US" sz="1200" dirty="0">
@@ -6220,10 +6208,6 @@
               </a:rPr>
               <a:t>)</a:t>
             </a:r>
-            <a:endParaRPr lang="en-US" sz="1200" dirty="0">
-              <a:latin typeface="Courier"/>
-              <a:cs typeface="Courier"/>
-            </a:endParaRPr>
           </a:p>
         </p:txBody>
       </p:sp>

--- a/AdvancedRxSwift/day3/AdvancedRxSwift3.pptx
+++ b/AdvancedRxSwift/day3/AdvancedRxSwift3.pptx
@@ -4563,26 +4563,40 @@
               <a:t> </a:t>
             </a:r>
             <a:r>
-              <a:rPr lang="en-US" dirty="0" smtClean="0"/>
-              <a:t>Advanced </a:t>
-            </a:r>
-            <a:r>
-              <a:rPr lang="en-US" dirty="0" err="1" smtClean="0"/>
+              <a:rPr lang="en-US" dirty="0"/>
+              <a:t>Adding a Reactive Extension to Custom UI Element, </a:t>
+            </a:r>
+          </a:p>
+          <a:p>
+            <a:r>
+              <a:rPr lang="en-US" dirty="0"/>
+              <a:t>              2 Way Binding, Advanced </a:t>
+            </a:r>
+            <a:r>
+              <a:rPr lang="en-US" dirty="0" err="1"/>
               <a:t>TableView</a:t>
             </a:r>
             <a:r>
-              <a:rPr lang="en-US" dirty="0" smtClean="0"/>
-              <a:t> - </a:t>
-            </a:r>
-            <a:r>
-              <a:rPr lang="en-US" dirty="0" err="1" smtClean="0"/>
+              <a:rPr lang="en-US" dirty="0"/>
+              <a:t> </a:t>
+            </a:r>
+            <a:r>
+              <a:rPr lang="mr-IN" dirty="0"/>
+              <a:t>–</a:t>
+            </a:r>
+            <a:r>
+              <a:rPr lang="en-US" dirty="0"/>
+              <a:t> </a:t>
+            </a:r>
+            <a:r>
+              <a:rPr lang="en-US" dirty="0" err="1"/>
               <a:t>RxDataSources</a:t>
             </a:r>
-            <a:endParaRPr lang="en-US" dirty="0"/>
-          </a:p>
-          <a:p>
-            <a:r>
-              <a:rPr lang="en-US" dirty="0"/>
+            <a:endParaRPr lang="en-US"/>
+          </a:p>
+          <a:p>
+            <a:r>
+              <a:rPr lang="en-US" smtClean="0"/>
               <a:t>Day </a:t>
             </a:r>
             <a:r>

--- a/AdvancedRxSwift/day3/AdvancedRxSwift3.pptx
+++ b/AdvancedRxSwift/day3/AdvancedRxSwift3.pptx
@@ -5,7 +5,7 @@
     <p:sldMasterId id="2147483657" r:id="rId1"/>
   </p:sldMasterIdLst>
   <p:notesMasterIdLst>
-    <p:notesMasterId r:id="rId10"/>
+    <p:notesMasterId r:id="rId15"/>
   </p:notesMasterIdLst>
   <p:sldIdLst>
     <p:sldId id="256" r:id="rId2"/>
@@ -16,6 +16,11 @@
     <p:sldId id="345" r:id="rId7"/>
     <p:sldId id="351" r:id="rId8"/>
     <p:sldId id="352" r:id="rId9"/>
+    <p:sldId id="354" r:id="rId10"/>
+    <p:sldId id="355" r:id="rId11"/>
+    <p:sldId id="356" r:id="rId12"/>
+    <p:sldId id="357" r:id="rId13"/>
+    <p:sldId id="353" r:id="rId14"/>
   </p:sldIdLst>
   <p:sldSz cx="9144000" cy="5143500" type="screen16x9"/>
   <p:notesSz cx="6858000" cy="9144000"/>
@@ -605,6 +610,410 @@
 </p:notes>
 </file>
 
+<file path=ppt/notesSlides/notesSlide10.xml><?xml version="1.0" encoding="utf-8"?>
+<p:notes xmlns:a="http://schemas.openxmlformats.org/drawingml/2006/main" xmlns:r="http://schemas.openxmlformats.org/officeDocument/2006/relationships" xmlns:p="http://schemas.openxmlformats.org/presentationml/2006/main" showMasterSp="0" showMasterPhAnim="0">
+  <p:cSld>
+    <p:spTree>
+      <p:nvGrpSpPr>
+        <p:cNvPr id="1" name="Shape 185"/>
+        <p:cNvGrpSpPr/>
+        <p:nvPr/>
+      </p:nvGrpSpPr>
+      <p:grpSpPr>
+        <a:xfrm>
+          <a:off x="0" y="0"/>
+          <a:ext cx="0" cy="0"/>
+          <a:chOff x="0" y="0"/>
+          <a:chExt cx="0" cy="0"/>
+        </a:xfrm>
+      </p:grpSpPr>
+      <p:sp>
+        <p:nvSpPr>
+          <p:cNvPr id="186" name="Shape 186"/>
+          <p:cNvSpPr>
+            <a:spLocks noGrp="1" noRot="1" noChangeAspect="1"/>
+          </p:cNvSpPr>
+          <p:nvPr>
+            <p:ph type="sldImg" idx="2"/>
+          </p:nvPr>
+        </p:nvSpPr>
+        <p:spPr>
+          <a:xfrm>
+            <a:off x="381000" y="685800"/>
+            <a:ext cx="6096000" cy="3429000"/>
+          </a:xfrm>
+          <a:custGeom>
+            <a:avLst/>
+            <a:gdLst/>
+            <a:ahLst/>
+            <a:cxnLst/>
+            <a:rect l="0" t="0" r="0" b="0"/>
+            <a:pathLst>
+              <a:path w="120000" h="120000" extrusionOk="0">
+                <a:moveTo>
+                  <a:pt x="0" y="0"/>
+                </a:moveTo>
+                <a:lnTo>
+                  <a:pt x="120000" y="0"/>
+                </a:lnTo>
+                <a:lnTo>
+                  <a:pt x="120000" y="120000"/>
+                </a:lnTo>
+                <a:lnTo>
+                  <a:pt x="0" y="120000"/>
+                </a:lnTo>
+                <a:close/>
+              </a:path>
+            </a:pathLst>
+          </a:custGeom>
+        </p:spPr>
+      </p:sp>
+      <p:sp>
+        <p:nvSpPr>
+          <p:cNvPr id="187" name="Shape 187"/>
+          <p:cNvSpPr txBox="1">
+            <a:spLocks noGrp="1"/>
+          </p:cNvSpPr>
+          <p:nvPr>
+            <p:ph type="body" idx="1"/>
+          </p:nvPr>
+        </p:nvSpPr>
+        <p:spPr>
+          <a:xfrm>
+            <a:off x="685800" y="4343400"/>
+            <a:ext cx="5486400" cy="4114800"/>
+          </a:xfrm>
+          <a:prstGeom prst="rect">
+            <a:avLst/>
+          </a:prstGeom>
+        </p:spPr>
+        <p:txBody>
+          <a:bodyPr wrap="square" lIns="91425" tIns="91425" rIns="91425" bIns="91425" anchor="t" anchorCtr="0">
+            <a:noAutofit/>
+          </a:bodyPr>
+          <a:lstStyle/>
+          <a:p>
+            <a:pPr lvl="0">
+              <a:spcBef>
+                <a:spcPts val="0"/>
+              </a:spcBef>
+              <a:buNone/>
+            </a:pPr>
+            <a:endParaRPr/>
+          </a:p>
+        </p:txBody>
+      </p:sp>
+    </p:spTree>
+  </p:cSld>
+  <p:clrMapOvr>
+    <a:masterClrMapping/>
+  </p:clrMapOvr>
+</p:notes>
+</file>
+
+<file path=ppt/notesSlides/notesSlide11.xml><?xml version="1.0" encoding="utf-8"?>
+<p:notes xmlns:a="http://schemas.openxmlformats.org/drawingml/2006/main" xmlns:r="http://schemas.openxmlformats.org/officeDocument/2006/relationships" xmlns:p="http://schemas.openxmlformats.org/presentationml/2006/main" showMasterSp="0" showMasterPhAnim="0">
+  <p:cSld>
+    <p:spTree>
+      <p:nvGrpSpPr>
+        <p:cNvPr id="1" name="Shape 185"/>
+        <p:cNvGrpSpPr/>
+        <p:nvPr/>
+      </p:nvGrpSpPr>
+      <p:grpSpPr>
+        <a:xfrm>
+          <a:off x="0" y="0"/>
+          <a:ext cx="0" cy="0"/>
+          <a:chOff x="0" y="0"/>
+          <a:chExt cx="0" cy="0"/>
+        </a:xfrm>
+      </p:grpSpPr>
+      <p:sp>
+        <p:nvSpPr>
+          <p:cNvPr id="186" name="Shape 186"/>
+          <p:cNvSpPr>
+            <a:spLocks noGrp="1" noRot="1" noChangeAspect="1"/>
+          </p:cNvSpPr>
+          <p:nvPr>
+            <p:ph type="sldImg" idx="2"/>
+          </p:nvPr>
+        </p:nvSpPr>
+        <p:spPr>
+          <a:xfrm>
+            <a:off x="381000" y="685800"/>
+            <a:ext cx="6096000" cy="3429000"/>
+          </a:xfrm>
+          <a:custGeom>
+            <a:avLst/>
+            <a:gdLst/>
+            <a:ahLst/>
+            <a:cxnLst/>
+            <a:rect l="0" t="0" r="0" b="0"/>
+            <a:pathLst>
+              <a:path w="120000" h="120000" extrusionOk="0">
+                <a:moveTo>
+                  <a:pt x="0" y="0"/>
+                </a:moveTo>
+                <a:lnTo>
+                  <a:pt x="120000" y="0"/>
+                </a:lnTo>
+                <a:lnTo>
+                  <a:pt x="120000" y="120000"/>
+                </a:lnTo>
+                <a:lnTo>
+                  <a:pt x="0" y="120000"/>
+                </a:lnTo>
+                <a:close/>
+              </a:path>
+            </a:pathLst>
+          </a:custGeom>
+        </p:spPr>
+      </p:sp>
+      <p:sp>
+        <p:nvSpPr>
+          <p:cNvPr id="187" name="Shape 187"/>
+          <p:cNvSpPr txBox="1">
+            <a:spLocks noGrp="1"/>
+          </p:cNvSpPr>
+          <p:nvPr>
+            <p:ph type="body" idx="1"/>
+          </p:nvPr>
+        </p:nvSpPr>
+        <p:spPr>
+          <a:xfrm>
+            <a:off x="685800" y="4343400"/>
+            <a:ext cx="5486400" cy="4114800"/>
+          </a:xfrm>
+          <a:prstGeom prst="rect">
+            <a:avLst/>
+          </a:prstGeom>
+        </p:spPr>
+        <p:txBody>
+          <a:bodyPr wrap="square" lIns="91425" tIns="91425" rIns="91425" bIns="91425" anchor="t" anchorCtr="0">
+            <a:noAutofit/>
+          </a:bodyPr>
+          <a:lstStyle/>
+          <a:p>
+            <a:pPr lvl="0">
+              <a:spcBef>
+                <a:spcPts val="0"/>
+              </a:spcBef>
+              <a:buNone/>
+            </a:pPr>
+            <a:endParaRPr/>
+          </a:p>
+        </p:txBody>
+      </p:sp>
+    </p:spTree>
+  </p:cSld>
+  <p:clrMapOvr>
+    <a:masterClrMapping/>
+  </p:clrMapOvr>
+</p:notes>
+</file>
+
+<file path=ppt/notesSlides/notesSlide12.xml><?xml version="1.0" encoding="utf-8"?>
+<p:notes xmlns:a="http://schemas.openxmlformats.org/drawingml/2006/main" xmlns:r="http://schemas.openxmlformats.org/officeDocument/2006/relationships" xmlns:p="http://schemas.openxmlformats.org/presentationml/2006/main" showMasterSp="0" showMasterPhAnim="0">
+  <p:cSld>
+    <p:spTree>
+      <p:nvGrpSpPr>
+        <p:cNvPr id="1" name="Shape 185"/>
+        <p:cNvGrpSpPr/>
+        <p:nvPr/>
+      </p:nvGrpSpPr>
+      <p:grpSpPr>
+        <a:xfrm>
+          <a:off x="0" y="0"/>
+          <a:ext cx="0" cy="0"/>
+          <a:chOff x="0" y="0"/>
+          <a:chExt cx="0" cy="0"/>
+        </a:xfrm>
+      </p:grpSpPr>
+      <p:sp>
+        <p:nvSpPr>
+          <p:cNvPr id="186" name="Shape 186"/>
+          <p:cNvSpPr>
+            <a:spLocks noGrp="1" noRot="1" noChangeAspect="1"/>
+          </p:cNvSpPr>
+          <p:nvPr>
+            <p:ph type="sldImg" idx="2"/>
+          </p:nvPr>
+        </p:nvSpPr>
+        <p:spPr>
+          <a:xfrm>
+            <a:off x="381000" y="685800"/>
+            <a:ext cx="6096000" cy="3429000"/>
+          </a:xfrm>
+          <a:custGeom>
+            <a:avLst/>
+            <a:gdLst/>
+            <a:ahLst/>
+            <a:cxnLst/>
+            <a:rect l="0" t="0" r="0" b="0"/>
+            <a:pathLst>
+              <a:path w="120000" h="120000" extrusionOk="0">
+                <a:moveTo>
+                  <a:pt x="0" y="0"/>
+                </a:moveTo>
+                <a:lnTo>
+                  <a:pt x="120000" y="0"/>
+                </a:lnTo>
+                <a:lnTo>
+                  <a:pt x="120000" y="120000"/>
+                </a:lnTo>
+                <a:lnTo>
+                  <a:pt x="0" y="120000"/>
+                </a:lnTo>
+                <a:close/>
+              </a:path>
+            </a:pathLst>
+          </a:custGeom>
+        </p:spPr>
+      </p:sp>
+      <p:sp>
+        <p:nvSpPr>
+          <p:cNvPr id="187" name="Shape 187"/>
+          <p:cNvSpPr txBox="1">
+            <a:spLocks noGrp="1"/>
+          </p:cNvSpPr>
+          <p:nvPr>
+            <p:ph type="body" idx="1"/>
+          </p:nvPr>
+        </p:nvSpPr>
+        <p:spPr>
+          <a:xfrm>
+            <a:off x="685800" y="4343400"/>
+            <a:ext cx="5486400" cy="4114800"/>
+          </a:xfrm>
+          <a:prstGeom prst="rect">
+            <a:avLst/>
+          </a:prstGeom>
+        </p:spPr>
+        <p:txBody>
+          <a:bodyPr wrap="square" lIns="91425" tIns="91425" rIns="91425" bIns="91425" anchor="t" anchorCtr="0">
+            <a:noAutofit/>
+          </a:bodyPr>
+          <a:lstStyle/>
+          <a:p>
+            <a:pPr lvl="0">
+              <a:spcBef>
+                <a:spcPts val="0"/>
+              </a:spcBef>
+              <a:buNone/>
+            </a:pPr>
+            <a:endParaRPr/>
+          </a:p>
+        </p:txBody>
+      </p:sp>
+    </p:spTree>
+  </p:cSld>
+  <p:clrMapOvr>
+    <a:masterClrMapping/>
+  </p:clrMapOvr>
+</p:notes>
+</file>
+
+<file path=ppt/notesSlides/notesSlide13.xml><?xml version="1.0" encoding="utf-8"?>
+<p:notes xmlns:a="http://schemas.openxmlformats.org/drawingml/2006/main" xmlns:r="http://schemas.openxmlformats.org/officeDocument/2006/relationships" xmlns:p="http://schemas.openxmlformats.org/presentationml/2006/main" showMasterSp="0" showMasterPhAnim="0">
+  <p:cSld>
+    <p:spTree>
+      <p:nvGrpSpPr>
+        <p:cNvPr id="1" name="Shape 185"/>
+        <p:cNvGrpSpPr/>
+        <p:nvPr/>
+      </p:nvGrpSpPr>
+      <p:grpSpPr>
+        <a:xfrm>
+          <a:off x="0" y="0"/>
+          <a:ext cx="0" cy="0"/>
+          <a:chOff x="0" y="0"/>
+          <a:chExt cx="0" cy="0"/>
+        </a:xfrm>
+      </p:grpSpPr>
+      <p:sp>
+        <p:nvSpPr>
+          <p:cNvPr id="186" name="Shape 186"/>
+          <p:cNvSpPr>
+            <a:spLocks noGrp="1" noRot="1" noChangeAspect="1"/>
+          </p:cNvSpPr>
+          <p:nvPr>
+            <p:ph type="sldImg" idx="2"/>
+          </p:nvPr>
+        </p:nvSpPr>
+        <p:spPr>
+          <a:xfrm>
+            <a:off x="381000" y="685800"/>
+            <a:ext cx="6096000" cy="3429000"/>
+          </a:xfrm>
+          <a:custGeom>
+            <a:avLst/>
+            <a:gdLst/>
+            <a:ahLst/>
+            <a:cxnLst/>
+            <a:rect l="0" t="0" r="0" b="0"/>
+            <a:pathLst>
+              <a:path w="120000" h="120000" extrusionOk="0">
+                <a:moveTo>
+                  <a:pt x="0" y="0"/>
+                </a:moveTo>
+                <a:lnTo>
+                  <a:pt x="120000" y="0"/>
+                </a:lnTo>
+                <a:lnTo>
+                  <a:pt x="120000" y="120000"/>
+                </a:lnTo>
+                <a:lnTo>
+                  <a:pt x="0" y="120000"/>
+                </a:lnTo>
+                <a:close/>
+              </a:path>
+            </a:pathLst>
+          </a:custGeom>
+        </p:spPr>
+      </p:sp>
+      <p:sp>
+        <p:nvSpPr>
+          <p:cNvPr id="187" name="Shape 187"/>
+          <p:cNvSpPr txBox="1">
+            <a:spLocks noGrp="1"/>
+          </p:cNvSpPr>
+          <p:nvPr>
+            <p:ph type="body" idx="1"/>
+          </p:nvPr>
+        </p:nvSpPr>
+        <p:spPr>
+          <a:xfrm>
+            <a:off x="685800" y="4343400"/>
+            <a:ext cx="5486400" cy="4114800"/>
+          </a:xfrm>
+          <a:prstGeom prst="rect">
+            <a:avLst/>
+          </a:prstGeom>
+        </p:spPr>
+        <p:txBody>
+          <a:bodyPr wrap="square" lIns="91425" tIns="91425" rIns="91425" bIns="91425" anchor="t" anchorCtr="0">
+            <a:noAutofit/>
+          </a:bodyPr>
+          <a:lstStyle/>
+          <a:p>
+            <a:pPr lvl="0">
+              <a:spcBef>
+                <a:spcPts val="0"/>
+              </a:spcBef>
+              <a:buNone/>
+            </a:pPr>
+            <a:endParaRPr/>
+          </a:p>
+        </p:txBody>
+      </p:sp>
+    </p:spTree>
+  </p:cSld>
+  <p:clrMapOvr>
+    <a:masterClrMapping/>
+  </p:clrMapOvr>
+</p:notes>
+</file>
+
 <file path=ppt/notesSlides/notesSlide2.xml><?xml version="1.0" encoding="utf-8"?>
 <p:notes xmlns:a="http://schemas.openxmlformats.org/drawingml/2006/main" xmlns:r="http://schemas.openxmlformats.org/officeDocument/2006/relationships" xmlns:p="http://schemas.openxmlformats.org/presentationml/2006/main" showMasterSp="0" showMasterPhAnim="0">
   <p:cSld>
@@ -1212,6 +1621,107 @@
 </file>
 
 <file path=ppt/notesSlides/notesSlide8.xml><?xml version="1.0" encoding="utf-8"?>
+<p:notes xmlns:a="http://schemas.openxmlformats.org/drawingml/2006/main" xmlns:r="http://schemas.openxmlformats.org/officeDocument/2006/relationships" xmlns:p="http://schemas.openxmlformats.org/presentationml/2006/main" showMasterSp="0" showMasterPhAnim="0">
+  <p:cSld>
+    <p:spTree>
+      <p:nvGrpSpPr>
+        <p:cNvPr id="1" name="Shape 185"/>
+        <p:cNvGrpSpPr/>
+        <p:nvPr/>
+      </p:nvGrpSpPr>
+      <p:grpSpPr>
+        <a:xfrm>
+          <a:off x="0" y="0"/>
+          <a:ext cx="0" cy="0"/>
+          <a:chOff x="0" y="0"/>
+          <a:chExt cx="0" cy="0"/>
+        </a:xfrm>
+      </p:grpSpPr>
+      <p:sp>
+        <p:nvSpPr>
+          <p:cNvPr id="186" name="Shape 186"/>
+          <p:cNvSpPr>
+            <a:spLocks noGrp="1" noRot="1" noChangeAspect="1"/>
+          </p:cNvSpPr>
+          <p:nvPr>
+            <p:ph type="sldImg" idx="2"/>
+          </p:nvPr>
+        </p:nvSpPr>
+        <p:spPr>
+          <a:xfrm>
+            <a:off x="381000" y="685800"/>
+            <a:ext cx="6096000" cy="3429000"/>
+          </a:xfrm>
+          <a:custGeom>
+            <a:avLst/>
+            <a:gdLst/>
+            <a:ahLst/>
+            <a:cxnLst/>
+            <a:rect l="0" t="0" r="0" b="0"/>
+            <a:pathLst>
+              <a:path w="120000" h="120000" extrusionOk="0">
+                <a:moveTo>
+                  <a:pt x="0" y="0"/>
+                </a:moveTo>
+                <a:lnTo>
+                  <a:pt x="120000" y="0"/>
+                </a:lnTo>
+                <a:lnTo>
+                  <a:pt x="120000" y="120000"/>
+                </a:lnTo>
+                <a:lnTo>
+                  <a:pt x="0" y="120000"/>
+                </a:lnTo>
+                <a:close/>
+              </a:path>
+            </a:pathLst>
+          </a:custGeom>
+        </p:spPr>
+      </p:sp>
+      <p:sp>
+        <p:nvSpPr>
+          <p:cNvPr id="187" name="Shape 187"/>
+          <p:cNvSpPr txBox="1">
+            <a:spLocks noGrp="1"/>
+          </p:cNvSpPr>
+          <p:nvPr>
+            <p:ph type="body" idx="1"/>
+          </p:nvPr>
+        </p:nvSpPr>
+        <p:spPr>
+          <a:xfrm>
+            <a:off x="685800" y="4343400"/>
+            <a:ext cx="5486400" cy="4114800"/>
+          </a:xfrm>
+          <a:prstGeom prst="rect">
+            <a:avLst/>
+          </a:prstGeom>
+        </p:spPr>
+        <p:txBody>
+          <a:bodyPr wrap="square" lIns="91425" tIns="91425" rIns="91425" bIns="91425" anchor="t" anchorCtr="0">
+            <a:noAutofit/>
+          </a:bodyPr>
+          <a:lstStyle/>
+          <a:p>
+            <a:pPr lvl="0">
+              <a:spcBef>
+                <a:spcPts val="0"/>
+              </a:spcBef>
+              <a:buNone/>
+            </a:pPr>
+            <a:endParaRPr/>
+          </a:p>
+        </p:txBody>
+      </p:sp>
+    </p:spTree>
+  </p:cSld>
+  <p:clrMapOvr>
+    <a:masterClrMapping/>
+  </p:clrMapOvr>
+</p:notes>
+</file>
+
+<file path=ppt/notesSlides/notesSlide9.xml><?xml version="1.0" encoding="utf-8"?>
 <p:notes xmlns:a="http://schemas.openxmlformats.org/drawingml/2006/main" xmlns:r="http://schemas.openxmlformats.org/officeDocument/2006/relationships" xmlns:p="http://schemas.openxmlformats.org/presentationml/2006/main" showMasterSp="0" showMasterPhAnim="0">
   <p:cSld>
     <p:spTree>
@@ -3984,6 +4494,1165 @@
 </p:sld>
 </file>
 
+<file path=ppt/slides/slide10.xml><?xml version="1.0" encoding="utf-8"?>
+<p:sld xmlns:a="http://schemas.openxmlformats.org/drawingml/2006/main" xmlns:r="http://schemas.openxmlformats.org/officeDocument/2006/relationships" xmlns:p="http://schemas.openxmlformats.org/presentationml/2006/main">
+  <p:cSld>
+    <p:spTree>
+      <p:nvGrpSpPr>
+        <p:cNvPr id="1" name="Shape 188"/>
+        <p:cNvGrpSpPr/>
+        <p:nvPr/>
+      </p:nvGrpSpPr>
+      <p:grpSpPr>
+        <a:xfrm>
+          <a:off x="0" y="0"/>
+          <a:ext cx="0" cy="0"/>
+          <a:chOff x="0" y="0"/>
+          <a:chExt cx="0" cy="0"/>
+        </a:xfrm>
+      </p:grpSpPr>
+      <p:sp>
+        <p:nvSpPr>
+          <p:cNvPr id="189" name="Shape 189"/>
+          <p:cNvSpPr txBox="1">
+            <a:spLocks noGrp="1"/>
+          </p:cNvSpPr>
+          <p:nvPr>
+            <p:ph type="title"/>
+          </p:nvPr>
+        </p:nvSpPr>
+        <p:spPr>
+          <a:xfrm>
+            <a:off x="814275" y="392575"/>
+            <a:ext cx="5258400" cy="766200"/>
+          </a:xfrm>
+          <a:prstGeom prst="rect">
+            <a:avLst/>
+          </a:prstGeom>
+        </p:spPr>
+        <p:txBody>
+          <a:bodyPr wrap="square" lIns="91425" tIns="91425" rIns="91425" bIns="91425" anchor="ctr" anchorCtr="0">
+            <a:noAutofit/>
+          </a:bodyPr>
+          <a:lstStyle/>
+          <a:p>
+            <a:pPr lvl="0"/>
+            <a:r>
+              <a:rPr lang="en-US" dirty="0"/>
+              <a:t>Scan - Creating a </a:t>
+            </a:r>
+            <a:r>
+              <a:rPr lang="en-US" dirty="0" err="1"/>
+              <a:t>boolean</a:t>
+            </a:r>
+            <a:r>
+              <a:rPr lang="en-US" dirty="0"/>
+              <a:t> switch</a:t>
+            </a:r>
+            <a:endParaRPr lang="en" dirty="0"/>
+          </a:p>
+        </p:txBody>
+      </p:sp>
+      <p:sp>
+        <p:nvSpPr>
+          <p:cNvPr id="192" name="Shape 192"/>
+          <p:cNvSpPr txBox="1">
+            <a:spLocks noGrp="1"/>
+          </p:cNvSpPr>
+          <p:nvPr>
+            <p:ph type="sldNum" idx="12"/>
+          </p:nvPr>
+        </p:nvSpPr>
+        <p:spPr>
+          <a:xfrm>
+            <a:off x="7618000" y="4636500"/>
+            <a:ext cx="1487400" cy="315600"/>
+          </a:xfrm>
+          <a:prstGeom prst="rect">
+            <a:avLst/>
+          </a:prstGeom>
+        </p:spPr>
+        <p:txBody>
+          <a:bodyPr wrap="square" lIns="91425" tIns="91425" rIns="91425" bIns="91425" anchor="ctr" anchorCtr="0">
+            <a:noAutofit/>
+          </a:bodyPr>
+          <a:lstStyle/>
+          <a:p>
+            <a:pPr lvl="0">
+              <a:spcBef>
+                <a:spcPts val="0"/>
+              </a:spcBef>
+              <a:buNone/>
+            </a:pPr>
+            <a:fld id="{00000000-1234-1234-1234-123412341234}" type="slidenum">
+              <a:rPr lang="en"/>
+              <a:t>10</a:t>
+            </a:fld>
+            <a:endParaRPr lang="en"/>
+          </a:p>
+        </p:txBody>
+      </p:sp>
+      <p:pic>
+        <p:nvPicPr>
+          <p:cNvPr id="2" name="Picture 1" descr="Rx_Logo_M.png"/>
+          <p:cNvPicPr>
+            <a:picLocks noChangeAspect="1"/>
+          </p:cNvPicPr>
+          <p:nvPr/>
+        </p:nvPicPr>
+        <p:blipFill>
+          <a:blip r:embed="rId3">
+            <a:extLst>
+              <a:ext uri="{28A0092B-C50C-407E-A947-70E740481C1C}">
+                <a14:useLocalDpi xmlns:a14="http://schemas.microsoft.com/office/drawing/2010/main" val="0"/>
+              </a:ext>
+            </a:extLst>
+          </a:blip>
+          <a:stretch>
+            <a:fillRect/>
+          </a:stretch>
+        </p:blipFill>
+        <p:spPr>
+          <a:xfrm>
+            <a:off x="151129" y="442005"/>
+            <a:ext cx="663146" cy="663146"/>
+          </a:xfrm>
+          <a:prstGeom prst="rect">
+            <a:avLst/>
+          </a:prstGeom>
+        </p:spPr>
+      </p:pic>
+      <p:sp>
+        <p:nvSpPr>
+          <p:cNvPr id="4" name="TextBox 3"/>
+          <p:cNvSpPr txBox="1"/>
+          <p:nvPr/>
+        </p:nvSpPr>
+        <p:spPr>
+          <a:xfrm>
+            <a:off x="217715" y="1687285"/>
+            <a:ext cx="8581572" cy="1815882"/>
+          </a:xfrm>
+          <a:prstGeom prst="rect">
+            <a:avLst/>
+          </a:prstGeom>
+          <a:noFill/>
+        </p:spPr>
+        <p:txBody>
+          <a:bodyPr wrap="square" rtlCol="0">
+            <a:spAutoFit/>
+          </a:bodyPr>
+          <a:lstStyle/>
+          <a:p>
+            <a:r>
+              <a:rPr lang="mr-IN" dirty="0">
+                <a:solidFill>
+                  <a:srgbClr val="108040"/>
+                </a:solidFill>
+                <a:latin typeface="Courier"/>
+                <a:cs typeface="Courier"/>
+              </a:rPr>
+              <a:t>//(tap) —&gt; Void —&gt; (scan) —&gt; Bool —&gt; (subscribe)</a:t>
+            </a:r>
+          </a:p>
+          <a:p>
+            <a:r>
+              <a:rPr lang="en-US" dirty="0">
+                <a:latin typeface="Courier"/>
+                <a:cs typeface="Courier"/>
+              </a:rPr>
+              <a:t>        </a:t>
+            </a:r>
+            <a:r>
+              <a:rPr lang="en-US" dirty="0" err="1">
+                <a:latin typeface="Courier"/>
+                <a:cs typeface="Courier"/>
+              </a:rPr>
+              <a:t>self.switchButton.rx.tap</a:t>
+            </a:r>
+            <a:endParaRPr lang="en-US" dirty="0">
+              <a:latin typeface="Courier"/>
+              <a:cs typeface="Courier"/>
+            </a:endParaRPr>
+          </a:p>
+          <a:p>
+            <a:r>
+              <a:rPr lang="en-US" dirty="0">
+                <a:latin typeface="Courier"/>
+                <a:cs typeface="Courier"/>
+              </a:rPr>
+              <a:t>            .scan(false) { </a:t>
+            </a:r>
+            <a:r>
+              <a:rPr lang="en-US" dirty="0" err="1">
+                <a:latin typeface="Courier"/>
+                <a:cs typeface="Courier"/>
+              </a:rPr>
+              <a:t>lastState</a:t>
+            </a:r>
+            <a:r>
+              <a:rPr lang="en-US" dirty="0">
+                <a:latin typeface="Courier"/>
+                <a:cs typeface="Courier"/>
+              </a:rPr>
+              <a:t>, </a:t>
+            </a:r>
+            <a:r>
+              <a:rPr lang="en-US" dirty="0" err="1">
+                <a:latin typeface="Courier"/>
+                <a:cs typeface="Courier"/>
+              </a:rPr>
+              <a:t>newValue</a:t>
+            </a:r>
+            <a:r>
+              <a:rPr lang="en-US" dirty="0">
+                <a:latin typeface="Courier"/>
+                <a:cs typeface="Courier"/>
+              </a:rPr>
+              <a:t> in</a:t>
+            </a:r>
+          </a:p>
+          <a:p>
+            <a:r>
+              <a:rPr lang="mr-IN" dirty="0">
+                <a:latin typeface="Courier"/>
+                <a:cs typeface="Courier"/>
+              </a:rPr>
+              <a:t>                return !lastState</a:t>
+            </a:r>
+          </a:p>
+          <a:p>
+            <a:r>
+              <a:rPr lang="mr-IN" dirty="0">
+                <a:latin typeface="Courier"/>
+                <a:cs typeface="Courier"/>
+              </a:rPr>
+              <a:t>            }</a:t>
+            </a:r>
+          </a:p>
+          <a:p>
+            <a:r>
+              <a:rPr lang="en-US" dirty="0">
+                <a:latin typeface="Courier"/>
+                <a:cs typeface="Courier"/>
+              </a:rPr>
+              <a:t>            .subscribe(</a:t>
+            </a:r>
+            <a:r>
+              <a:rPr lang="en-US" dirty="0" err="1">
+                <a:latin typeface="Courier"/>
+                <a:cs typeface="Courier"/>
+              </a:rPr>
+              <a:t>onNext</a:t>
+            </a:r>
+            <a:r>
+              <a:rPr lang="en-US" dirty="0">
+                <a:latin typeface="Courier"/>
+                <a:cs typeface="Courier"/>
+              </a:rPr>
+              <a:t>: { value in</a:t>
+            </a:r>
+          </a:p>
+          <a:p>
+            <a:r>
+              <a:rPr lang="mr-IN" dirty="0">
+                <a:latin typeface="Courier"/>
+                <a:cs typeface="Courier"/>
+              </a:rPr>
+              <a:t>                print("tap: \(value)")</a:t>
+            </a:r>
+          </a:p>
+          <a:p>
+            <a:r>
+              <a:rPr lang="mr-IN" dirty="0">
+                <a:latin typeface="Courier"/>
+                <a:cs typeface="Courier"/>
+              </a:rPr>
+              <a:t>            }).disposed(by: disposeBag)</a:t>
+            </a:r>
+            <a:endParaRPr lang="en-US" dirty="0">
+              <a:latin typeface="Courier"/>
+              <a:cs typeface="Courier"/>
+            </a:endParaRPr>
+          </a:p>
+        </p:txBody>
+      </p:sp>
+    </p:spTree>
+    <p:extLst>
+      <p:ext uri="{BB962C8B-B14F-4D97-AF65-F5344CB8AC3E}">
+        <p14:creationId xmlns:p14="http://schemas.microsoft.com/office/powerpoint/2010/main" val="3389641706"/>
+      </p:ext>
+    </p:extLst>
+  </p:cSld>
+  <p:clrMapOvr>
+    <a:masterClrMapping/>
+  </p:clrMapOvr>
+  <p:timing>
+    <p:tnLst>
+      <p:par>
+        <p:cTn xmlns:p14="http://schemas.microsoft.com/office/powerpoint/2010/main" id="1" dur="indefinite" restart="never" nodeType="tmRoot"/>
+      </p:par>
+    </p:tnLst>
+  </p:timing>
+</p:sld>
+</file>
+
+<file path=ppt/slides/slide11.xml><?xml version="1.0" encoding="utf-8"?>
+<p:sld xmlns:a="http://schemas.openxmlformats.org/drawingml/2006/main" xmlns:r="http://schemas.openxmlformats.org/officeDocument/2006/relationships" xmlns:p="http://schemas.openxmlformats.org/presentationml/2006/main">
+  <p:cSld>
+    <p:spTree>
+      <p:nvGrpSpPr>
+        <p:cNvPr id="1" name="Shape 188"/>
+        <p:cNvGrpSpPr/>
+        <p:nvPr/>
+      </p:nvGrpSpPr>
+      <p:grpSpPr>
+        <a:xfrm>
+          <a:off x="0" y="0"/>
+          <a:ext cx="0" cy="0"/>
+          <a:chOff x="0" y="0"/>
+          <a:chExt cx="0" cy="0"/>
+        </a:xfrm>
+      </p:grpSpPr>
+      <p:sp>
+        <p:nvSpPr>
+          <p:cNvPr id="189" name="Shape 189"/>
+          <p:cNvSpPr txBox="1">
+            <a:spLocks noGrp="1"/>
+          </p:cNvSpPr>
+          <p:nvPr>
+            <p:ph type="title"/>
+          </p:nvPr>
+        </p:nvSpPr>
+        <p:spPr>
+          <a:xfrm>
+            <a:off x="814275" y="392575"/>
+            <a:ext cx="5258400" cy="766200"/>
+          </a:xfrm>
+          <a:prstGeom prst="rect">
+            <a:avLst/>
+          </a:prstGeom>
+        </p:spPr>
+        <p:txBody>
+          <a:bodyPr wrap="square" lIns="91425" tIns="91425" rIns="91425" bIns="91425" anchor="ctr" anchorCtr="0">
+            <a:noAutofit/>
+          </a:bodyPr>
+          <a:lstStyle/>
+          <a:p>
+            <a:pPr lvl="0"/>
+            <a:r>
+              <a:rPr lang="en-US" dirty="0"/>
+              <a:t>Scan - Creating a counter</a:t>
+            </a:r>
+            <a:endParaRPr lang="en" dirty="0"/>
+          </a:p>
+        </p:txBody>
+      </p:sp>
+      <p:sp>
+        <p:nvSpPr>
+          <p:cNvPr id="192" name="Shape 192"/>
+          <p:cNvSpPr txBox="1">
+            <a:spLocks noGrp="1"/>
+          </p:cNvSpPr>
+          <p:nvPr>
+            <p:ph type="sldNum" idx="12"/>
+          </p:nvPr>
+        </p:nvSpPr>
+        <p:spPr>
+          <a:xfrm>
+            <a:off x="7618000" y="4636500"/>
+            <a:ext cx="1487400" cy="315600"/>
+          </a:xfrm>
+          <a:prstGeom prst="rect">
+            <a:avLst/>
+          </a:prstGeom>
+        </p:spPr>
+        <p:txBody>
+          <a:bodyPr wrap="square" lIns="91425" tIns="91425" rIns="91425" bIns="91425" anchor="ctr" anchorCtr="0">
+            <a:noAutofit/>
+          </a:bodyPr>
+          <a:lstStyle/>
+          <a:p>
+            <a:pPr lvl="0">
+              <a:spcBef>
+                <a:spcPts val="0"/>
+              </a:spcBef>
+              <a:buNone/>
+            </a:pPr>
+            <a:fld id="{00000000-1234-1234-1234-123412341234}" type="slidenum">
+              <a:rPr lang="en"/>
+              <a:t>11</a:t>
+            </a:fld>
+            <a:endParaRPr lang="en"/>
+          </a:p>
+        </p:txBody>
+      </p:sp>
+      <p:pic>
+        <p:nvPicPr>
+          <p:cNvPr id="2" name="Picture 1" descr="Rx_Logo_M.png"/>
+          <p:cNvPicPr>
+            <a:picLocks noChangeAspect="1"/>
+          </p:cNvPicPr>
+          <p:nvPr/>
+        </p:nvPicPr>
+        <p:blipFill>
+          <a:blip r:embed="rId3">
+            <a:extLst>
+              <a:ext uri="{28A0092B-C50C-407E-A947-70E740481C1C}">
+                <a14:useLocalDpi xmlns:a14="http://schemas.microsoft.com/office/drawing/2010/main" val="0"/>
+              </a:ext>
+            </a:extLst>
+          </a:blip>
+          <a:stretch>
+            <a:fillRect/>
+          </a:stretch>
+        </p:blipFill>
+        <p:spPr>
+          <a:xfrm>
+            <a:off x="151129" y="442005"/>
+            <a:ext cx="663146" cy="663146"/>
+          </a:xfrm>
+          <a:prstGeom prst="rect">
+            <a:avLst/>
+          </a:prstGeom>
+        </p:spPr>
+      </p:pic>
+      <p:sp>
+        <p:nvSpPr>
+          <p:cNvPr id="4" name="TextBox 3"/>
+          <p:cNvSpPr txBox="1"/>
+          <p:nvPr/>
+        </p:nvSpPr>
+        <p:spPr>
+          <a:xfrm>
+            <a:off x="217715" y="1687285"/>
+            <a:ext cx="8581572" cy="1815882"/>
+          </a:xfrm>
+          <a:prstGeom prst="rect">
+            <a:avLst/>
+          </a:prstGeom>
+          <a:noFill/>
+        </p:spPr>
+        <p:txBody>
+          <a:bodyPr wrap="square" rtlCol="0">
+            <a:spAutoFit/>
+          </a:bodyPr>
+          <a:lstStyle/>
+          <a:p>
+            <a:r>
+              <a:rPr lang="mr-IN" dirty="0">
+                <a:latin typeface="Courier"/>
+                <a:cs typeface="Courier"/>
+              </a:rPr>
+              <a:t> </a:t>
+            </a:r>
+            <a:r>
+              <a:rPr lang="mr-IN" dirty="0">
+                <a:solidFill>
+                  <a:srgbClr val="108040"/>
+                </a:solidFill>
+                <a:latin typeface="Courier"/>
+                <a:cs typeface="Courier"/>
+              </a:rPr>
+              <a:t>//(tap) —&gt; Void —&gt; (scan) —&gt; Int —&gt; (subscribe)</a:t>
+            </a:r>
+          </a:p>
+          <a:p>
+            <a:r>
+              <a:rPr lang="en-US" dirty="0">
+                <a:latin typeface="Courier"/>
+                <a:cs typeface="Courier"/>
+              </a:rPr>
+              <a:t>        </a:t>
+            </a:r>
+            <a:r>
+              <a:rPr lang="en-US" dirty="0" err="1">
+                <a:latin typeface="Courier"/>
+                <a:cs typeface="Courier"/>
+              </a:rPr>
+              <a:t>self.counterButton.rx.tap</a:t>
+            </a:r>
+            <a:endParaRPr lang="en-US" dirty="0">
+              <a:latin typeface="Courier"/>
+              <a:cs typeface="Courier"/>
+            </a:endParaRPr>
+          </a:p>
+          <a:p>
+            <a:r>
+              <a:rPr lang="en-US" dirty="0">
+                <a:latin typeface="Courier"/>
+                <a:cs typeface="Courier"/>
+              </a:rPr>
+              <a:t>            .scan(0) { </a:t>
+            </a:r>
+            <a:r>
+              <a:rPr lang="en-US" dirty="0" err="1">
+                <a:latin typeface="Courier"/>
+                <a:cs typeface="Courier"/>
+              </a:rPr>
+              <a:t>lastCount</a:t>
+            </a:r>
+            <a:r>
+              <a:rPr lang="en-US" dirty="0">
+                <a:latin typeface="Courier"/>
+                <a:cs typeface="Courier"/>
+              </a:rPr>
+              <a:t>, </a:t>
+            </a:r>
+            <a:r>
+              <a:rPr lang="en-US" dirty="0" err="1">
+                <a:latin typeface="Courier"/>
+                <a:cs typeface="Courier"/>
+              </a:rPr>
+              <a:t>newValue</a:t>
+            </a:r>
+            <a:r>
+              <a:rPr lang="en-US" dirty="0">
+                <a:latin typeface="Courier"/>
+                <a:cs typeface="Courier"/>
+              </a:rPr>
+              <a:t> in</a:t>
+            </a:r>
+          </a:p>
+          <a:p>
+            <a:r>
+              <a:rPr lang="mr-IN" dirty="0">
+                <a:latin typeface="Courier"/>
+                <a:cs typeface="Courier"/>
+              </a:rPr>
+              <a:t>                return lastCount + 1</a:t>
+            </a:r>
+          </a:p>
+          <a:p>
+            <a:r>
+              <a:rPr lang="mr-IN" dirty="0">
+                <a:latin typeface="Courier"/>
+                <a:cs typeface="Courier"/>
+              </a:rPr>
+              <a:t>            }</a:t>
+            </a:r>
+          </a:p>
+          <a:p>
+            <a:r>
+              <a:rPr lang="en-US" dirty="0">
+                <a:latin typeface="Courier"/>
+                <a:cs typeface="Courier"/>
+              </a:rPr>
+              <a:t>            .subscribe(</a:t>
+            </a:r>
+            <a:r>
+              <a:rPr lang="en-US" dirty="0" err="1">
+                <a:latin typeface="Courier"/>
+                <a:cs typeface="Courier"/>
+              </a:rPr>
+              <a:t>onNext</a:t>
+            </a:r>
+            <a:r>
+              <a:rPr lang="en-US" dirty="0">
+                <a:latin typeface="Courier"/>
+                <a:cs typeface="Courier"/>
+              </a:rPr>
+              <a:t>: { value in</a:t>
+            </a:r>
+          </a:p>
+          <a:p>
+            <a:r>
+              <a:rPr lang="mr-IN" dirty="0">
+                <a:latin typeface="Courier"/>
+                <a:cs typeface="Courier"/>
+              </a:rPr>
+              <a:t>                print("taps: \(value)")</a:t>
+            </a:r>
+          </a:p>
+          <a:p>
+            <a:r>
+              <a:rPr lang="mr-IN" dirty="0">
+                <a:latin typeface="Courier"/>
+                <a:cs typeface="Courier"/>
+              </a:rPr>
+              <a:t>            }).disposed(by: disposeBag)</a:t>
+            </a:r>
+            <a:endParaRPr lang="en-US" dirty="0">
+              <a:latin typeface="Courier"/>
+              <a:cs typeface="Courier"/>
+            </a:endParaRPr>
+          </a:p>
+        </p:txBody>
+      </p:sp>
+    </p:spTree>
+    <p:extLst>
+      <p:ext uri="{BB962C8B-B14F-4D97-AF65-F5344CB8AC3E}">
+        <p14:creationId xmlns:p14="http://schemas.microsoft.com/office/powerpoint/2010/main" val="2283026233"/>
+      </p:ext>
+    </p:extLst>
+  </p:cSld>
+  <p:clrMapOvr>
+    <a:masterClrMapping/>
+  </p:clrMapOvr>
+  <p:timing>
+    <p:tnLst>
+      <p:par>
+        <p:cTn xmlns:p14="http://schemas.microsoft.com/office/powerpoint/2010/main" id="1" dur="indefinite" restart="never" nodeType="tmRoot"/>
+      </p:par>
+    </p:tnLst>
+  </p:timing>
+</p:sld>
+</file>
+
+<file path=ppt/slides/slide12.xml><?xml version="1.0" encoding="utf-8"?>
+<p:sld xmlns:a="http://schemas.openxmlformats.org/drawingml/2006/main" xmlns:r="http://schemas.openxmlformats.org/officeDocument/2006/relationships" xmlns:p="http://schemas.openxmlformats.org/presentationml/2006/main">
+  <p:cSld>
+    <p:spTree>
+      <p:nvGrpSpPr>
+        <p:cNvPr id="1" name="Shape 188"/>
+        <p:cNvGrpSpPr/>
+        <p:nvPr/>
+      </p:nvGrpSpPr>
+      <p:grpSpPr>
+        <a:xfrm>
+          <a:off x="0" y="0"/>
+          <a:ext cx="0" cy="0"/>
+          <a:chOff x="0" y="0"/>
+          <a:chExt cx="0" cy="0"/>
+        </a:xfrm>
+      </p:grpSpPr>
+      <p:sp>
+        <p:nvSpPr>
+          <p:cNvPr id="189" name="Shape 189"/>
+          <p:cNvSpPr txBox="1">
+            <a:spLocks noGrp="1"/>
+          </p:cNvSpPr>
+          <p:nvPr>
+            <p:ph type="title"/>
+          </p:nvPr>
+        </p:nvSpPr>
+        <p:spPr>
+          <a:xfrm>
+            <a:off x="814275" y="392575"/>
+            <a:ext cx="5258400" cy="766200"/>
+          </a:xfrm>
+          <a:prstGeom prst="rect">
+            <a:avLst/>
+          </a:prstGeom>
+        </p:spPr>
+        <p:txBody>
+          <a:bodyPr wrap="square" lIns="91425" tIns="91425" rIns="91425" bIns="91425" anchor="ctr" anchorCtr="0">
+            <a:noAutofit/>
+          </a:bodyPr>
+          <a:lstStyle/>
+          <a:p>
+            <a:pPr lvl="0"/>
+            <a:r>
+              <a:rPr lang="en-US" dirty="0"/>
+              <a:t>Scan - </a:t>
+            </a:r>
+            <a:r>
+              <a:rPr lang="en-US" dirty="0" smtClean="0"/>
+              <a:t>Getting </a:t>
+            </a:r>
+            <a:r>
+              <a:rPr lang="en-US" dirty="0"/>
+              <a:t>the last N values</a:t>
+            </a:r>
+            <a:endParaRPr lang="en" dirty="0"/>
+          </a:p>
+        </p:txBody>
+      </p:sp>
+      <p:sp>
+        <p:nvSpPr>
+          <p:cNvPr id="192" name="Shape 192"/>
+          <p:cNvSpPr txBox="1">
+            <a:spLocks noGrp="1"/>
+          </p:cNvSpPr>
+          <p:nvPr>
+            <p:ph type="sldNum" idx="12"/>
+          </p:nvPr>
+        </p:nvSpPr>
+        <p:spPr>
+          <a:xfrm>
+            <a:off x="7618000" y="4636500"/>
+            <a:ext cx="1487400" cy="315600"/>
+          </a:xfrm>
+          <a:prstGeom prst="rect">
+            <a:avLst/>
+          </a:prstGeom>
+        </p:spPr>
+        <p:txBody>
+          <a:bodyPr wrap="square" lIns="91425" tIns="91425" rIns="91425" bIns="91425" anchor="ctr" anchorCtr="0">
+            <a:noAutofit/>
+          </a:bodyPr>
+          <a:lstStyle/>
+          <a:p>
+            <a:pPr lvl="0">
+              <a:spcBef>
+                <a:spcPts val="0"/>
+              </a:spcBef>
+              <a:buNone/>
+            </a:pPr>
+            <a:fld id="{00000000-1234-1234-1234-123412341234}" type="slidenum">
+              <a:rPr lang="en"/>
+              <a:t>12</a:t>
+            </a:fld>
+            <a:endParaRPr lang="en"/>
+          </a:p>
+        </p:txBody>
+      </p:sp>
+      <p:pic>
+        <p:nvPicPr>
+          <p:cNvPr id="2" name="Picture 1" descr="Rx_Logo_M.png"/>
+          <p:cNvPicPr>
+            <a:picLocks noChangeAspect="1"/>
+          </p:cNvPicPr>
+          <p:nvPr/>
+        </p:nvPicPr>
+        <p:blipFill>
+          <a:blip r:embed="rId3">
+            <a:extLst>
+              <a:ext uri="{28A0092B-C50C-407E-A947-70E740481C1C}">
+                <a14:useLocalDpi xmlns:a14="http://schemas.microsoft.com/office/drawing/2010/main" val="0"/>
+              </a:ext>
+            </a:extLst>
+          </a:blip>
+          <a:stretch>
+            <a:fillRect/>
+          </a:stretch>
+        </p:blipFill>
+        <p:spPr>
+          <a:xfrm>
+            <a:off x="151129" y="442005"/>
+            <a:ext cx="663146" cy="663146"/>
+          </a:xfrm>
+          <a:prstGeom prst="rect">
+            <a:avLst/>
+          </a:prstGeom>
+        </p:spPr>
+      </p:pic>
+      <p:sp>
+        <p:nvSpPr>
+          <p:cNvPr id="4" name="TextBox 3"/>
+          <p:cNvSpPr txBox="1"/>
+          <p:nvPr/>
+        </p:nvSpPr>
+        <p:spPr>
+          <a:xfrm>
+            <a:off x="217715" y="1687285"/>
+            <a:ext cx="8581572" cy="2031325"/>
+          </a:xfrm>
+          <a:prstGeom prst="rect">
+            <a:avLst/>
+          </a:prstGeom>
+          <a:noFill/>
+        </p:spPr>
+        <p:txBody>
+          <a:bodyPr wrap="square" rtlCol="0">
+            <a:spAutoFit/>
+          </a:bodyPr>
+          <a:lstStyle/>
+          <a:p>
+            <a:r>
+              <a:rPr lang="mr-IN" dirty="0">
+                <a:latin typeface="Courier"/>
+                <a:cs typeface="Courier"/>
+              </a:rPr>
+              <a:t> </a:t>
+            </a:r>
+            <a:r>
+              <a:rPr lang="en-US" dirty="0">
+                <a:latin typeface="Courier"/>
+                <a:cs typeface="Courier"/>
+              </a:rPr>
+              <a:t>let numbers = </a:t>
+            </a:r>
+            <a:r>
+              <a:rPr lang="en-US" dirty="0" err="1">
+                <a:latin typeface="Courier"/>
+                <a:cs typeface="Courier"/>
+              </a:rPr>
+              <a:t>Observable.from</a:t>
+            </a:r>
+            <a:r>
+              <a:rPr lang="en-US" dirty="0">
+                <a:latin typeface="Courier"/>
+                <a:cs typeface="Courier"/>
+              </a:rPr>
+              <a:t>([0, 1, 2 , 3, 4, 5, 6])</a:t>
+            </a:r>
+          </a:p>
+          <a:p>
+            <a:r>
+              <a:rPr lang="mr-IN" dirty="0">
+                <a:latin typeface="Courier"/>
+                <a:cs typeface="Courier"/>
+              </a:rPr>
+              <a:t>        </a:t>
+            </a:r>
+          </a:p>
+          <a:p>
+            <a:r>
+              <a:rPr lang="mr-IN" dirty="0">
+                <a:latin typeface="Courier"/>
+                <a:cs typeface="Courier"/>
+              </a:rPr>
+              <a:t>        </a:t>
+            </a:r>
+            <a:r>
+              <a:rPr lang="mr-IN" dirty="0">
+                <a:solidFill>
+                  <a:srgbClr val="108040"/>
+                </a:solidFill>
+                <a:latin typeface="Courier"/>
+                <a:cs typeface="Courier"/>
+              </a:rPr>
+              <a:t>//(numbers) —&gt; Int —&gt; (scan) —&gt; [Int] —&gt; subscribe</a:t>
+            </a:r>
+          </a:p>
+          <a:p>
+            <a:r>
+              <a:rPr lang="en-US" dirty="0">
+                <a:latin typeface="Courier"/>
+                <a:cs typeface="Courier"/>
+              </a:rPr>
+              <a:t>        </a:t>
+            </a:r>
+            <a:r>
+              <a:rPr lang="en-US" dirty="0" err="1">
+                <a:latin typeface="Courier"/>
+                <a:cs typeface="Courier"/>
+              </a:rPr>
+              <a:t>numbers.scan</a:t>
+            </a:r>
+            <a:r>
+              <a:rPr lang="en-US" dirty="0">
+                <a:latin typeface="Courier"/>
+                <a:cs typeface="Courier"/>
+              </a:rPr>
+              <a:t>([]) { </a:t>
+            </a:r>
+            <a:r>
+              <a:rPr lang="en-US" dirty="0" err="1">
+                <a:latin typeface="Courier"/>
+                <a:cs typeface="Courier"/>
+              </a:rPr>
+              <a:t>lastSlice</a:t>
+            </a:r>
+            <a:r>
+              <a:rPr lang="en-US" dirty="0">
+                <a:latin typeface="Courier"/>
+                <a:cs typeface="Courier"/>
+              </a:rPr>
+              <a:t>, </a:t>
+            </a:r>
+            <a:r>
+              <a:rPr lang="en-US" dirty="0" err="1">
+                <a:latin typeface="Courier"/>
+                <a:cs typeface="Courier"/>
+              </a:rPr>
+              <a:t>newValue</a:t>
+            </a:r>
+            <a:r>
+              <a:rPr lang="en-US" dirty="0">
+                <a:latin typeface="Courier"/>
+                <a:cs typeface="Courier"/>
+              </a:rPr>
+              <a:t> in</a:t>
+            </a:r>
+          </a:p>
+          <a:p>
+            <a:r>
+              <a:rPr lang="en-US" dirty="0">
+                <a:latin typeface="Courier"/>
+                <a:cs typeface="Courier"/>
+              </a:rPr>
+              <a:t>                return Array(</a:t>
+            </a:r>
+            <a:r>
+              <a:rPr lang="en-US" dirty="0" err="1">
+                <a:latin typeface="Courier"/>
+                <a:cs typeface="Courier"/>
+              </a:rPr>
+              <a:t>lastSlice</a:t>
+            </a:r>
+            <a:r>
+              <a:rPr lang="en-US" dirty="0">
+                <a:latin typeface="Courier"/>
+                <a:cs typeface="Courier"/>
+              </a:rPr>
+              <a:t> + [</a:t>
+            </a:r>
+            <a:r>
+              <a:rPr lang="en-US" dirty="0" err="1">
+                <a:latin typeface="Courier"/>
+                <a:cs typeface="Courier"/>
+              </a:rPr>
+              <a:t>newValue</a:t>
+            </a:r>
+            <a:r>
+              <a:rPr lang="en-US" dirty="0">
+                <a:latin typeface="Courier"/>
+                <a:cs typeface="Courier"/>
+              </a:rPr>
+              <a:t>]).suffix(3)</a:t>
+            </a:r>
+          </a:p>
+          <a:p>
+            <a:r>
+              <a:rPr lang="mr-IN" dirty="0">
+                <a:latin typeface="Courier"/>
+                <a:cs typeface="Courier"/>
+              </a:rPr>
+              <a:t>            }</a:t>
+            </a:r>
+          </a:p>
+          <a:p>
+            <a:r>
+              <a:rPr lang="en-US" dirty="0">
+                <a:latin typeface="Courier"/>
+                <a:cs typeface="Courier"/>
+              </a:rPr>
+              <a:t>            .subscribe(</a:t>
+            </a:r>
+            <a:r>
+              <a:rPr lang="en-US" dirty="0" err="1">
+                <a:latin typeface="Courier"/>
+                <a:cs typeface="Courier"/>
+              </a:rPr>
+              <a:t>onNext</a:t>
+            </a:r>
+            <a:r>
+              <a:rPr lang="en-US" dirty="0">
+                <a:latin typeface="Courier"/>
+                <a:cs typeface="Courier"/>
+              </a:rPr>
+              <a:t>: { value in</a:t>
+            </a:r>
+          </a:p>
+          <a:p>
+            <a:r>
+              <a:rPr lang="mr-IN" dirty="0">
+                <a:latin typeface="Courier"/>
+                <a:cs typeface="Courier"/>
+              </a:rPr>
+              <a:t>                print("last 3: \(value)")</a:t>
+            </a:r>
+          </a:p>
+          <a:p>
+            <a:r>
+              <a:rPr lang="mr-IN" dirty="0">
+                <a:latin typeface="Courier"/>
+                <a:cs typeface="Courier"/>
+              </a:rPr>
+              <a:t>            }).disposed(by: disposeBag)</a:t>
+            </a:r>
+            <a:endParaRPr lang="en-US" dirty="0">
+              <a:latin typeface="Courier"/>
+              <a:cs typeface="Courier"/>
+            </a:endParaRPr>
+          </a:p>
+        </p:txBody>
+      </p:sp>
+    </p:spTree>
+    <p:extLst>
+      <p:ext uri="{BB962C8B-B14F-4D97-AF65-F5344CB8AC3E}">
+        <p14:creationId xmlns:p14="http://schemas.microsoft.com/office/powerpoint/2010/main" val="3354450563"/>
+      </p:ext>
+    </p:extLst>
+  </p:cSld>
+  <p:clrMapOvr>
+    <a:masterClrMapping/>
+  </p:clrMapOvr>
+  <p:timing>
+    <p:tnLst>
+      <p:par>
+        <p:cTn xmlns:p14="http://schemas.microsoft.com/office/powerpoint/2010/main" id="1" dur="indefinite" restart="never" nodeType="tmRoot"/>
+      </p:par>
+    </p:tnLst>
+  </p:timing>
+</p:sld>
+</file>
+
+<file path=ppt/slides/slide13.xml><?xml version="1.0" encoding="utf-8"?>
+<p:sld xmlns:a="http://schemas.openxmlformats.org/drawingml/2006/main" xmlns:r="http://schemas.openxmlformats.org/officeDocument/2006/relationships" xmlns:p="http://schemas.openxmlformats.org/presentationml/2006/main">
+  <p:cSld>
+    <p:spTree>
+      <p:nvGrpSpPr>
+        <p:cNvPr id="1" name="Shape 188"/>
+        <p:cNvGrpSpPr/>
+        <p:nvPr/>
+      </p:nvGrpSpPr>
+      <p:grpSpPr>
+        <a:xfrm>
+          <a:off x="0" y="0"/>
+          <a:ext cx="0" cy="0"/>
+          <a:chOff x="0" y="0"/>
+          <a:chExt cx="0" cy="0"/>
+        </a:xfrm>
+      </p:grpSpPr>
+      <p:sp>
+        <p:nvSpPr>
+          <p:cNvPr id="189" name="Shape 189"/>
+          <p:cNvSpPr txBox="1">
+            <a:spLocks noGrp="1"/>
+          </p:cNvSpPr>
+          <p:nvPr>
+            <p:ph type="title"/>
+          </p:nvPr>
+        </p:nvSpPr>
+        <p:spPr>
+          <a:xfrm>
+            <a:off x="814275" y="392575"/>
+            <a:ext cx="5258400" cy="766200"/>
+          </a:xfrm>
+          <a:prstGeom prst="rect">
+            <a:avLst/>
+          </a:prstGeom>
+        </p:spPr>
+        <p:txBody>
+          <a:bodyPr wrap="square" lIns="91425" tIns="91425" rIns="91425" bIns="91425" anchor="ctr" anchorCtr="0">
+            <a:noAutofit/>
+          </a:bodyPr>
+          <a:lstStyle/>
+          <a:p>
+            <a:pPr lvl="0" rtl="0">
+              <a:spcBef>
+                <a:spcPts val="0"/>
+              </a:spcBef>
+              <a:buNone/>
+            </a:pPr>
+            <a:r>
+              <a:rPr lang="en-US" dirty="0" smtClean="0"/>
+              <a:t>Lab</a:t>
+            </a:r>
+            <a:endParaRPr lang="en" dirty="0"/>
+          </a:p>
+        </p:txBody>
+      </p:sp>
+      <p:sp>
+        <p:nvSpPr>
+          <p:cNvPr id="192" name="Shape 192"/>
+          <p:cNvSpPr txBox="1">
+            <a:spLocks noGrp="1"/>
+          </p:cNvSpPr>
+          <p:nvPr>
+            <p:ph type="sldNum" idx="12"/>
+          </p:nvPr>
+        </p:nvSpPr>
+        <p:spPr>
+          <a:xfrm>
+            <a:off x="7618000" y="4636500"/>
+            <a:ext cx="1487400" cy="315600"/>
+          </a:xfrm>
+          <a:prstGeom prst="rect">
+            <a:avLst/>
+          </a:prstGeom>
+        </p:spPr>
+        <p:txBody>
+          <a:bodyPr wrap="square" lIns="91425" tIns="91425" rIns="91425" bIns="91425" anchor="ctr" anchorCtr="0">
+            <a:noAutofit/>
+          </a:bodyPr>
+          <a:lstStyle/>
+          <a:p>
+            <a:pPr lvl="0">
+              <a:spcBef>
+                <a:spcPts val="0"/>
+              </a:spcBef>
+              <a:buNone/>
+            </a:pPr>
+            <a:fld id="{00000000-1234-1234-1234-123412341234}" type="slidenum">
+              <a:rPr lang="en"/>
+              <a:t>13</a:t>
+            </a:fld>
+            <a:endParaRPr lang="en"/>
+          </a:p>
+        </p:txBody>
+      </p:sp>
+      <p:pic>
+        <p:nvPicPr>
+          <p:cNvPr id="2" name="Picture 1" descr="Rx_Logo_M.png"/>
+          <p:cNvPicPr>
+            <a:picLocks noChangeAspect="1"/>
+          </p:cNvPicPr>
+          <p:nvPr/>
+        </p:nvPicPr>
+        <p:blipFill>
+          <a:blip r:embed="rId3">
+            <a:extLst>
+              <a:ext uri="{28A0092B-C50C-407E-A947-70E740481C1C}">
+                <a14:useLocalDpi xmlns:a14="http://schemas.microsoft.com/office/drawing/2010/main" val="0"/>
+              </a:ext>
+            </a:extLst>
+          </a:blip>
+          <a:stretch>
+            <a:fillRect/>
+          </a:stretch>
+        </p:blipFill>
+        <p:spPr>
+          <a:xfrm>
+            <a:off x="151129" y="442005"/>
+            <a:ext cx="663146" cy="663146"/>
+          </a:xfrm>
+          <a:prstGeom prst="rect">
+            <a:avLst/>
+          </a:prstGeom>
+        </p:spPr>
+      </p:pic>
+      <p:sp>
+        <p:nvSpPr>
+          <p:cNvPr id="3" name="TextBox 2"/>
+          <p:cNvSpPr txBox="1"/>
+          <p:nvPr/>
+        </p:nvSpPr>
+        <p:spPr>
+          <a:xfrm>
+            <a:off x="1142462" y="1935916"/>
+            <a:ext cx="3727352" cy="307777"/>
+          </a:xfrm>
+          <a:prstGeom prst="rect">
+            <a:avLst/>
+          </a:prstGeom>
+          <a:noFill/>
+        </p:spPr>
+        <p:txBody>
+          <a:bodyPr wrap="none" rtlCol="0">
+            <a:spAutoFit/>
+          </a:bodyPr>
+          <a:lstStyle/>
+          <a:p>
+            <a:r>
+              <a:rPr lang="en-US" dirty="0" smtClean="0"/>
+              <a:t>Add </a:t>
+            </a:r>
+            <a:r>
+              <a:rPr lang="en-US" dirty="0" err="1" smtClean="0"/>
+              <a:t>ActivityIndicator</a:t>
+            </a:r>
+            <a:r>
+              <a:rPr lang="en-US" dirty="0" smtClean="0"/>
+              <a:t> in Borders App in day 2</a:t>
+            </a:r>
+            <a:endParaRPr lang="en-US" dirty="0"/>
+          </a:p>
+        </p:txBody>
+      </p:sp>
+    </p:spTree>
+    <p:extLst>
+      <p:ext uri="{BB962C8B-B14F-4D97-AF65-F5344CB8AC3E}">
+        <p14:creationId xmlns:p14="http://schemas.microsoft.com/office/powerpoint/2010/main" val="2879845899"/>
+      </p:ext>
+    </p:extLst>
+  </p:cSld>
+  <p:clrMapOvr>
+    <a:masterClrMapping/>
+  </p:clrMapOvr>
+  <p:timing>
+    <p:tnLst>
+      <p:par>
+        <p:cTn xmlns:p14="http://schemas.microsoft.com/office/powerpoint/2010/main" id="1" dur="indefinite" restart="never" nodeType="tmRoot"/>
+      </p:par>
+    </p:tnLst>
+  </p:timing>
+</p:sld>
+</file>
+
 <file path=ppt/slides/slide2.xml><?xml version="1.0" encoding="utf-8"?>
 <p:sld xmlns:a="http://schemas.openxmlformats.org/drawingml/2006/main" xmlns:r="http://schemas.openxmlformats.org/officeDocument/2006/relationships" xmlns:p="http://schemas.openxmlformats.org/presentationml/2006/main">
   <p:cSld>
@@ -4539,8 +6208,17 @@
             </a:r>
             <a:r>
               <a:rPr lang="en-US" b="1" dirty="0" smtClean="0"/>
-              <a:t>Binding Track Activity (show / hide ‘Loading’ )</a:t>
-            </a:r>
+              <a:t>Binding Track Activity (show / hide ‘Loading’ </a:t>
+            </a:r>
+            <a:r>
+              <a:rPr lang="en-US" b="1" dirty="0" smtClean="0"/>
+              <a:t>), </a:t>
+            </a:r>
+            <a:r>
+              <a:rPr lang="en-US" b="1" smtClean="0"/>
+              <a:t>Scan Operator</a:t>
+            </a:r>
+            <a:endParaRPr lang="en-US" b="1" dirty="0" smtClean="0"/>
           </a:p>
           <a:p>
             <a:endParaRPr lang="en-US" dirty="0"/>
@@ -4560,11 +6238,7 @@
             </a:r>
             <a:r>
               <a:rPr lang="en-US" dirty="0"/>
-              <a:t> </a:t>
-            </a:r>
-            <a:r>
-              <a:rPr lang="en-US" dirty="0"/>
-              <a:t>Adding a Reactive Extension to Custom UI Element, </a:t>
+              <a:t> Adding a Reactive Extension to Custom UI Element, </a:t>
             </a:r>
           </a:p>
           <a:p>
@@ -4592,16 +6266,12 @@
               <a:rPr lang="en-US" dirty="0" err="1"/>
               <a:t>RxDataSources</a:t>
             </a:r>
-            <a:endParaRPr lang="en-US"/>
-          </a:p>
-          <a:p>
-            <a:r>
-              <a:rPr lang="en-US" smtClean="0"/>
-              <a:t>Day </a:t>
-            </a:r>
+            <a:endParaRPr lang="en-US" dirty="0"/>
+          </a:p>
+          <a:p>
             <a:r>
               <a:rPr lang="en-US" dirty="0" smtClean="0"/>
-              <a:t>5 </a:t>
+              <a:t>Day 5 </a:t>
             </a:r>
             <a:r>
               <a:rPr lang="mr-IN" dirty="0"/>
@@ -6726,7 +8396,7 @@
             </a:pPr>
             <a:r>
               <a:rPr lang="en-US" dirty="0" smtClean="0"/>
-              <a:t>Lab</a:t>
+              <a:t>Scan</a:t>
             </a:r>
             <a:endParaRPr lang="en" dirty="0"/>
           </a:p>
@@ -6803,14 +8473,14 @@
       </p:pic>
       <p:sp>
         <p:nvSpPr>
-          <p:cNvPr id="3" name="TextBox 2"/>
+          <p:cNvPr id="4" name="TextBox 3"/>
           <p:cNvSpPr txBox="1"/>
           <p:nvPr/>
         </p:nvSpPr>
         <p:spPr>
           <a:xfrm>
-            <a:off x="1142462" y="1935916"/>
-            <a:ext cx="3727352" cy="307777"/>
+            <a:off x="217715" y="1687285"/>
+            <a:ext cx="8581572" cy="2554545"/>
           </a:xfrm>
           <a:prstGeom prst="rect">
             <a:avLst/>
@@ -6818,24 +8488,52 @@
           <a:noFill/>
         </p:spPr>
         <p:txBody>
-          <a:bodyPr wrap="none" rtlCol="0">
+          <a:bodyPr wrap="square" rtlCol="0">
             <a:spAutoFit/>
           </a:bodyPr>
           <a:lstStyle/>
           <a:p>
             <a:r>
-              <a:rPr lang="en-US" dirty="0" smtClean="0"/>
-              <a:t>Add </a:t>
-            </a:r>
-            <a:r>
-              <a:rPr lang="en-US" dirty="0" err="1" smtClean="0"/>
-              <a:t>ActivityIndicator</a:t>
-            </a:r>
-            <a:r>
-              <a:rPr lang="en-US" dirty="0" smtClean="0"/>
-              <a:t> in Borders App in day 2</a:t>
-            </a:r>
-            <a:endParaRPr lang="en-US" dirty="0"/>
+              <a:rPr lang="en-US" sz="1600" dirty="0"/>
+              <a:t>The Scan operator applies a function to the first item emitted by the source Observable and then emits the result of that function as its own first emission. </a:t>
+            </a:r>
+            <a:endParaRPr lang="en-US" sz="1600" dirty="0" smtClean="0"/>
+          </a:p>
+          <a:p>
+            <a:endParaRPr lang="en-US" sz="1600" dirty="0"/>
+          </a:p>
+          <a:p>
+            <a:r>
+              <a:rPr lang="en-US" sz="1600" dirty="0" smtClean="0"/>
+              <a:t>It </a:t>
+            </a:r>
+            <a:r>
+              <a:rPr lang="en-US" sz="1600" dirty="0"/>
+              <a:t>also feeds the result of the function back into the function along with the second item emitted by the source Observable in order to generate its second emission. </a:t>
+            </a:r>
+            <a:endParaRPr lang="en-US" sz="1600" dirty="0" smtClean="0"/>
+          </a:p>
+          <a:p>
+            <a:endParaRPr lang="en-US" sz="1600" dirty="0"/>
+          </a:p>
+          <a:p>
+            <a:r>
+              <a:rPr lang="en-US" sz="1600" dirty="0" smtClean="0"/>
+              <a:t>It </a:t>
+            </a:r>
+            <a:r>
+              <a:rPr lang="en-US" sz="1600" dirty="0"/>
+              <a:t>continues to feed back its own subsequent emissions along with the subsequent emissions from the source Observable in order to create the rest of its sequence.</a:t>
+            </a:r>
+          </a:p>
+          <a:p>
+            <a:endParaRPr lang="en-US" sz="1600" dirty="0"/>
+          </a:p>
+          <a:p>
+            <a:r>
+              <a:rPr lang="en-US" sz="1600" dirty="0"/>
+              <a:t>This sort of operator is sometimes called an “accumulator” in other contexts.</a:t>
+            </a:r>
           </a:p>
         </p:txBody>
       </p:sp>
@@ -6843,6 +8541,239 @@
     <p:extLst>
       <p:ext uri="{BB962C8B-B14F-4D97-AF65-F5344CB8AC3E}">
         <p14:creationId xmlns:p14="http://schemas.microsoft.com/office/powerpoint/2010/main" val="3507461021"/>
+      </p:ext>
+    </p:extLst>
+  </p:cSld>
+  <p:clrMapOvr>
+    <a:masterClrMapping/>
+  </p:clrMapOvr>
+  <p:timing>
+    <p:tnLst>
+      <p:par>
+        <p:cTn xmlns:p14="http://schemas.microsoft.com/office/powerpoint/2010/main" id="1" dur="indefinite" restart="never" nodeType="tmRoot"/>
+      </p:par>
+    </p:tnLst>
+  </p:timing>
+</p:sld>
+</file>
+
+<file path=ppt/slides/slide9.xml><?xml version="1.0" encoding="utf-8"?>
+<p:sld xmlns:a="http://schemas.openxmlformats.org/drawingml/2006/main" xmlns:r="http://schemas.openxmlformats.org/officeDocument/2006/relationships" xmlns:p="http://schemas.openxmlformats.org/presentationml/2006/main">
+  <p:cSld>
+    <p:spTree>
+      <p:nvGrpSpPr>
+        <p:cNvPr id="1" name="Shape 188"/>
+        <p:cNvGrpSpPr/>
+        <p:nvPr/>
+      </p:nvGrpSpPr>
+      <p:grpSpPr>
+        <a:xfrm>
+          <a:off x="0" y="0"/>
+          <a:ext cx="0" cy="0"/>
+          <a:chOff x="0" y="0"/>
+          <a:chExt cx="0" cy="0"/>
+        </a:xfrm>
+      </p:grpSpPr>
+      <p:sp>
+        <p:nvSpPr>
+          <p:cNvPr id="189" name="Shape 189"/>
+          <p:cNvSpPr txBox="1">
+            <a:spLocks noGrp="1"/>
+          </p:cNvSpPr>
+          <p:nvPr>
+            <p:ph type="title"/>
+          </p:nvPr>
+        </p:nvSpPr>
+        <p:spPr>
+          <a:xfrm>
+            <a:off x="814275" y="392575"/>
+            <a:ext cx="5258400" cy="766200"/>
+          </a:xfrm>
+          <a:prstGeom prst="rect">
+            <a:avLst/>
+          </a:prstGeom>
+        </p:spPr>
+        <p:txBody>
+          <a:bodyPr wrap="square" lIns="91425" tIns="91425" rIns="91425" bIns="91425" anchor="ctr" anchorCtr="0">
+            <a:noAutofit/>
+          </a:bodyPr>
+          <a:lstStyle/>
+          <a:p>
+            <a:pPr lvl="0" rtl="0">
+              <a:spcBef>
+                <a:spcPts val="0"/>
+              </a:spcBef>
+              <a:buNone/>
+            </a:pPr>
+            <a:r>
+              <a:rPr lang="en-US" dirty="0" smtClean="0"/>
+              <a:t>Scan</a:t>
+            </a:r>
+            <a:endParaRPr lang="en" dirty="0"/>
+          </a:p>
+        </p:txBody>
+      </p:sp>
+      <p:sp>
+        <p:nvSpPr>
+          <p:cNvPr id="192" name="Shape 192"/>
+          <p:cNvSpPr txBox="1">
+            <a:spLocks noGrp="1"/>
+          </p:cNvSpPr>
+          <p:nvPr>
+            <p:ph type="sldNum" idx="12"/>
+          </p:nvPr>
+        </p:nvSpPr>
+        <p:spPr>
+          <a:xfrm>
+            <a:off x="7618000" y="4636500"/>
+            <a:ext cx="1487400" cy="315600"/>
+          </a:xfrm>
+          <a:prstGeom prst="rect">
+            <a:avLst/>
+          </a:prstGeom>
+        </p:spPr>
+        <p:txBody>
+          <a:bodyPr wrap="square" lIns="91425" tIns="91425" rIns="91425" bIns="91425" anchor="ctr" anchorCtr="0">
+            <a:noAutofit/>
+          </a:bodyPr>
+          <a:lstStyle/>
+          <a:p>
+            <a:pPr lvl="0">
+              <a:spcBef>
+                <a:spcPts val="0"/>
+              </a:spcBef>
+              <a:buNone/>
+            </a:pPr>
+            <a:fld id="{00000000-1234-1234-1234-123412341234}" type="slidenum">
+              <a:rPr lang="en"/>
+              <a:t>9</a:t>
+            </a:fld>
+            <a:endParaRPr lang="en"/>
+          </a:p>
+        </p:txBody>
+      </p:sp>
+      <p:pic>
+        <p:nvPicPr>
+          <p:cNvPr id="2" name="Picture 1" descr="Rx_Logo_M.png"/>
+          <p:cNvPicPr>
+            <a:picLocks noChangeAspect="1"/>
+          </p:cNvPicPr>
+          <p:nvPr/>
+        </p:nvPicPr>
+        <p:blipFill>
+          <a:blip r:embed="rId3">
+            <a:extLst>
+              <a:ext uri="{28A0092B-C50C-407E-A947-70E740481C1C}">
+                <a14:useLocalDpi xmlns:a14="http://schemas.microsoft.com/office/drawing/2010/main" val="0"/>
+              </a:ext>
+            </a:extLst>
+          </a:blip>
+          <a:stretch>
+            <a:fillRect/>
+          </a:stretch>
+        </p:blipFill>
+        <p:spPr>
+          <a:xfrm>
+            <a:off x="151129" y="442005"/>
+            <a:ext cx="663146" cy="663146"/>
+          </a:xfrm>
+          <a:prstGeom prst="rect">
+            <a:avLst/>
+          </a:prstGeom>
+        </p:spPr>
+      </p:pic>
+      <p:sp>
+        <p:nvSpPr>
+          <p:cNvPr id="4" name="TextBox 3"/>
+          <p:cNvSpPr txBox="1"/>
+          <p:nvPr/>
+        </p:nvSpPr>
+        <p:spPr>
+          <a:xfrm>
+            <a:off x="217715" y="1687285"/>
+            <a:ext cx="8581572" cy="1569660"/>
+          </a:xfrm>
+          <a:prstGeom prst="rect">
+            <a:avLst/>
+          </a:prstGeom>
+          <a:noFill/>
+        </p:spPr>
+        <p:txBody>
+          <a:bodyPr wrap="square" rtlCol="0">
+            <a:spAutoFit/>
+          </a:bodyPr>
+          <a:lstStyle/>
+          <a:p>
+            <a:r>
+              <a:rPr lang="en-US" sz="1600" dirty="0"/>
+              <a:t>scan takes two parameters:</a:t>
+            </a:r>
+          </a:p>
+          <a:p>
+            <a:pPr marL="285750" indent="-285750">
+              <a:buFont typeface="Arial"/>
+              <a:buChar char="•"/>
+            </a:pPr>
+            <a:endParaRPr lang="en-US" sz="1600" dirty="0"/>
+          </a:p>
+          <a:p>
+            <a:pPr marL="285750" indent="-285750">
+              <a:buFont typeface="Arial"/>
+              <a:buChar char="•"/>
+            </a:pPr>
+            <a:r>
+              <a:rPr lang="en-US" sz="1600" dirty="0"/>
+              <a:t>initial value - you can think of it as the first value of your </a:t>
+            </a:r>
+            <a:r>
+              <a:rPr lang="en-US" sz="1600" dirty="0" smtClean="0"/>
+              <a:t>state</a:t>
+            </a:r>
+          </a:p>
+          <a:p>
+            <a:pPr marL="285750" indent="-285750">
+              <a:buFont typeface="Arial"/>
+              <a:buChar char="•"/>
+            </a:pPr>
+            <a:endParaRPr lang="en-US" sz="1600" dirty="0"/>
+          </a:p>
+          <a:p>
+            <a:pPr marL="285750" indent="-285750">
+              <a:buFont typeface="Arial"/>
+              <a:buChar char="•"/>
+            </a:pPr>
+            <a:r>
+              <a:rPr lang="en-US" sz="1600" dirty="0"/>
+              <a:t>closure(</a:t>
+            </a:r>
+            <a:r>
+              <a:rPr lang="en-US" sz="1600" dirty="0" err="1"/>
+              <a:t>lastState</a:t>
+            </a:r>
+            <a:r>
+              <a:rPr lang="en-US" sz="1600" dirty="0"/>
+              <a:t>, </a:t>
+            </a:r>
+            <a:r>
+              <a:rPr lang="en-US" sz="1600" dirty="0" err="1"/>
+              <a:t>newValue</a:t>
+            </a:r>
+            <a:r>
+              <a:rPr lang="en-US" sz="1600" dirty="0"/>
+              <a:t>) - scan runs that closure each time it gets a new value - it calls it with two parameters: the last state you had and the value that was just emitted</a:t>
+            </a:r>
+            <a:r>
+              <a:rPr lang="en-US" sz="1600" dirty="0" smtClean="0"/>
+              <a:t>.</a:t>
+            </a:r>
+            <a:endParaRPr lang="en-US" sz="1600" dirty="0"/>
+          </a:p>
+        </p:txBody>
+      </p:sp>
+    </p:spTree>
+    <p:extLst>
+      <p:ext uri="{BB962C8B-B14F-4D97-AF65-F5344CB8AC3E}">
+        <p14:creationId xmlns:p14="http://schemas.microsoft.com/office/powerpoint/2010/main" val="1303924640"/>
       </p:ext>
     </p:extLst>
   </p:cSld>

--- a/AdvancedRxSwift/day3/AdvancedRxSwift3.pptx
+++ b/AdvancedRxSwift/day3/AdvancedRxSwift3.pptx
@@ -6208,11 +6208,7 @@
             </a:r>
             <a:r>
               <a:rPr lang="en-US" b="1" dirty="0" smtClean="0"/>
-              <a:t>Binding Track Activity (show / hide ‘Loading’ </a:t>
-            </a:r>
-            <a:r>
-              <a:rPr lang="en-US" b="1" dirty="0" smtClean="0"/>
-              <a:t>), </a:t>
+              <a:t>Binding Track Activity (show / hide ‘Loading’ ), </a:t>
             </a:r>
             <a:r>
               <a:rPr lang="en-US" b="1" smtClean="0"/>
@@ -8175,7 +8171,42 @@
                 <a:latin typeface="Courier"/>
                 <a:cs typeface="Courier"/>
               </a:rPr>
-              <a:t>            .drive(onNext: { _ in</a:t>
+              <a:t>            .drive(onNext: { </a:t>
+            </a:r>
+            <a:r>
+              <a:rPr lang="en-US" sz="1200" dirty="0" smtClean="0">
+                <a:latin typeface="Courier"/>
+                <a:cs typeface="Courier"/>
+              </a:rPr>
+              <a:t>[</a:t>
+            </a:r>
+            <a:r>
+              <a:rPr lang="en-US" sz="1200" dirty="0" err="1" smtClean="0">
+                <a:latin typeface="Courier"/>
+                <a:cs typeface="Courier"/>
+              </a:rPr>
+              <a:t>unowned</a:t>
+            </a:r>
+            <a:r>
+              <a:rPr lang="en-US" sz="1200" smtClean="0">
+                <a:latin typeface="Courier"/>
+                <a:cs typeface="Courier"/>
+              </a:rPr>
+              <a:t> self] </a:t>
+            </a:r>
+            <a:r>
+              <a:rPr lang="mr-IN" sz="1200" smtClean="0">
+                <a:latin typeface="Courier"/>
+                <a:cs typeface="Courier"/>
+              </a:rPr>
+              <a:t>_ </a:t>
+            </a:r>
+            <a:r>
+              <a:rPr lang="mr-IN" sz="1200" dirty="0">
+                <a:latin typeface="Courier"/>
+                <a:cs typeface="Courier"/>
+              </a:rPr>
+              <a:t>in</a:t>
             </a:r>
           </a:p>
           <a:p>

--- a/AdvancedRxSwift/day3/AdvancedRxSwift3.pptx
+++ b/AdvancedRxSwift/day3/AdvancedRxSwift3.pptx
@@ -7623,13 +7623,54 @@
               </a:rPr>
               <a:t>    </a:t>
             </a:r>
-          </a:p>
-          <a:p>
             <a:r>
               <a:rPr lang="en-US" sz="1200" dirty="0">
                 <a:latin typeface="Courier"/>
                 <a:cs typeface="Courier"/>
               </a:rPr>
+              <a:t>let </a:t>
+            </a:r>
+            <a:r>
+              <a:rPr lang="en-US" sz="1200" dirty="0" err="1">
+                <a:latin typeface="Courier"/>
+                <a:cs typeface="Courier"/>
+              </a:rPr>
+              <a:t>viewModel</a:t>
+            </a:r>
+            <a:r>
+              <a:rPr lang="en-US" sz="1200" dirty="0">
+                <a:latin typeface="Courier"/>
+                <a:cs typeface="Courier"/>
+              </a:rPr>
+              <a:t> = </a:t>
+            </a:r>
+            <a:r>
+              <a:rPr lang="en-US" sz="1200" dirty="0" err="1">
+                <a:latin typeface="Courier"/>
+                <a:cs typeface="Courier"/>
+              </a:rPr>
+              <a:t>SimpleViewModel</a:t>
+            </a:r>
+            <a:r>
+              <a:rPr lang="en-US" sz="1200" dirty="0">
+                <a:latin typeface="Courier"/>
+                <a:cs typeface="Courier"/>
+              </a:rPr>
+              <a:t>()</a:t>
+            </a:r>
+          </a:p>
+          <a:p>
+            <a:endParaRPr lang="mr-IN" sz="1200" dirty="0">
+              <a:latin typeface="Courier"/>
+              <a:cs typeface="Courier"/>
+            </a:endParaRPr>
+          </a:p>
+          <a:p>
+            <a:r>
+              <a:rPr lang="en-US" sz="1200" dirty="0">
+                <a:latin typeface="Courier"/>
+                <a:cs typeface="Courier"/>
+              </a:rPr>
               <a:t>    override </a:t>
             </a:r>
             <a:r>
@@ -7699,45 +7740,19 @@
                 <a:latin typeface="Courier"/>
                 <a:cs typeface="Courier"/>
               </a:rPr>
-              <a:t>        let </a:t>
-            </a:r>
-            <a:r>
-              <a:rPr lang="en-US" sz="1200" dirty="0" err="1">
-                <a:latin typeface="Courier"/>
-                <a:cs typeface="Courier"/>
-              </a:rPr>
-              <a:t>viewModel</a:t>
-            </a:r>
-            <a:r>
-              <a:rPr lang="en-US" sz="1200" dirty="0">
-                <a:latin typeface="Courier"/>
-                <a:cs typeface="Courier"/>
-              </a:rPr>
-              <a:t> = </a:t>
-            </a:r>
-            <a:r>
-              <a:rPr lang="en-US" sz="1200" dirty="0" err="1">
-                <a:latin typeface="Courier"/>
-                <a:cs typeface="Courier"/>
-              </a:rPr>
-              <a:t>SimpleViewModel</a:t>
-            </a:r>
-            <a:r>
-              <a:rPr lang="en-US" sz="1200" dirty="0">
-                <a:latin typeface="Courier"/>
-                <a:cs typeface="Courier"/>
-              </a:rPr>
-              <a:t>()</a:t>
-            </a:r>
-          </a:p>
-          <a:p>
-            <a:r>
-              <a:rPr lang="mr-IN" sz="1200" dirty="0">
-                <a:latin typeface="Courier"/>
-                <a:cs typeface="Courier"/>
-              </a:rPr>
               <a:t>        </a:t>
             </a:r>
+            <a:r>
+              <a:rPr lang="mr-IN" sz="1200" dirty="0" smtClean="0">
+                <a:latin typeface="Courier"/>
+                <a:cs typeface="Courier"/>
+              </a:rPr>
+              <a:t>        </a:t>
+            </a:r>
+            <a:endParaRPr lang="mr-IN" sz="1200" dirty="0">
+              <a:latin typeface="Courier"/>
+              <a:cs typeface="Courier"/>
+            </a:endParaRPr>
           </a:p>
           <a:p>
             <a:r>
@@ -8049,7 +8064,7 @@
         <p:spPr>
           <a:xfrm>
             <a:off x="303536" y="1465340"/>
-            <a:ext cx="7149054" cy="2739211"/>
+            <a:ext cx="7149054" cy="3508652"/>
           </a:xfrm>
           <a:prstGeom prst="rect">
             <a:avLst/>
@@ -8171,42 +8186,228 @@
                 <a:latin typeface="Courier"/>
                 <a:cs typeface="Courier"/>
               </a:rPr>
-              <a:t>            .drive(onNext: { </a:t>
+              <a:t>            .drive(onNext: { [weak self] _ in</a:t>
+            </a:r>
+          </a:p>
+          <a:p>
+            <a:r>
+              <a:rPr lang="en-US" sz="1200" dirty="0">
+                <a:latin typeface="Courier"/>
+                <a:cs typeface="Courier"/>
+              </a:rPr>
+              <a:t>                self?.</a:t>
+            </a:r>
+            <a:r>
+              <a:rPr lang="en-US" sz="1200" dirty="0" err="1">
+                <a:latin typeface="Courier"/>
+                <a:cs typeface="Courier"/>
+              </a:rPr>
+              <a:t>activityButtonAction</a:t>
+            </a:r>
+            <a:r>
+              <a:rPr lang="en-US" sz="1200" dirty="0">
+                <a:latin typeface="Courier"/>
+                <a:cs typeface="Courier"/>
+              </a:rPr>
+              <a:t>()</a:t>
+            </a:r>
+          </a:p>
+          <a:p>
+            <a:r>
+              <a:rPr lang="mr-IN" sz="1200" dirty="0">
+                <a:latin typeface="Courier"/>
+                <a:cs typeface="Courier"/>
+              </a:rPr>
+              <a:t>            }).disposed(by: disposeBag)</a:t>
+            </a:r>
+            <a:endParaRPr lang="mr-IN" sz="1200" dirty="0">
+              <a:latin typeface="Courier"/>
+              <a:cs typeface="Courier"/>
+            </a:endParaRPr>
+          </a:p>
+          <a:p>
+            <a:r>
+              <a:rPr lang="mr-IN" sz="1200" dirty="0">
+                <a:latin typeface="Courier"/>
+                <a:cs typeface="Courier"/>
+              </a:rPr>
+              <a:t>    </a:t>
+            </a:r>
+            <a:r>
+              <a:rPr lang="mr-IN" sz="1200" dirty="0" smtClean="0">
+                <a:latin typeface="Courier"/>
+                <a:cs typeface="Courier"/>
+              </a:rPr>
+              <a:t>}</a:t>
+            </a:r>
+            <a:endParaRPr lang="en-CA" sz="1200" dirty="0" smtClean="0">
+              <a:latin typeface="Courier"/>
+              <a:cs typeface="Courier"/>
+            </a:endParaRPr>
+          </a:p>
+          <a:p>
+            <a:endParaRPr lang="en-CA" sz="1200" dirty="0">
+              <a:latin typeface="Courier"/>
+              <a:cs typeface="Courier"/>
+            </a:endParaRPr>
+          </a:p>
+          <a:p>
+            <a:r>
+              <a:rPr lang="en-US" sz="1200" dirty="0">
+                <a:latin typeface="Courier"/>
+                <a:cs typeface="Courier"/>
+              </a:rPr>
+              <a:t> </a:t>
             </a:r>
             <a:r>
               <a:rPr lang="en-US" sz="1200" dirty="0" smtClean="0">
                 <a:latin typeface="Courier"/>
                 <a:cs typeface="Courier"/>
               </a:rPr>
-              <a:t>[</a:t>
+              <a:t>   </a:t>
             </a:r>
             <a:r>
               <a:rPr lang="en-US" sz="1200" dirty="0" err="1" smtClean="0">
                 <a:latin typeface="Courier"/>
                 <a:cs typeface="Courier"/>
               </a:rPr>
-              <a:t>unowned</a:t>
-            </a:r>
-            <a:r>
-              <a:rPr lang="en-US" sz="1200" smtClean="0">
-                <a:latin typeface="Courier"/>
-                <a:cs typeface="Courier"/>
-              </a:rPr>
-              <a:t> self] </a:t>
-            </a:r>
-            <a:r>
-              <a:rPr lang="mr-IN" sz="1200" smtClean="0">
-                <a:latin typeface="Courier"/>
-                <a:cs typeface="Courier"/>
-              </a:rPr>
-              <a:t>_ </a:t>
-            </a:r>
+              <a:t>func</a:t>
+            </a:r>
+            <a:r>
+              <a:rPr lang="en-US" sz="1200" dirty="0" smtClean="0">
+                <a:latin typeface="Courier"/>
+                <a:cs typeface="Courier"/>
+              </a:rPr>
+              <a:t> </a:t>
+            </a:r>
+            <a:r>
+              <a:rPr lang="en-US" sz="1200" dirty="0" err="1">
+                <a:latin typeface="Courier"/>
+                <a:cs typeface="Courier"/>
+              </a:rPr>
+              <a:t>activityButtonAction</a:t>
+            </a:r>
+            <a:r>
+              <a:rPr lang="en-US" sz="1200" dirty="0">
+                <a:latin typeface="Courier"/>
+                <a:cs typeface="Courier"/>
+              </a:rPr>
+              <a:t>() {</a:t>
+            </a:r>
+          </a:p>
+          <a:p>
+            <a:r>
+              <a:rPr lang="en-US" sz="1200" dirty="0">
+                <a:latin typeface="Courier"/>
+                <a:cs typeface="Courier"/>
+              </a:rPr>
+              <a:t>        </a:t>
+            </a:r>
+            <a:r>
+              <a:rPr lang="en-US" sz="1200" dirty="0" err="1">
+                <a:latin typeface="Courier"/>
+                <a:cs typeface="Courier"/>
+              </a:rPr>
+              <a:t>self.viewModel.simpleObservable</a:t>
+            </a:r>
+            <a:r>
+              <a:rPr lang="en-US" sz="1200" dirty="0">
+                <a:latin typeface="Courier"/>
+                <a:cs typeface="Courier"/>
+              </a:rPr>
+              <a:t>()</a:t>
+            </a:r>
+          </a:p>
+          <a:p>
+            <a:r>
+              <a:rPr lang="en-US" sz="1200" dirty="0">
+                <a:latin typeface="Courier"/>
+                <a:cs typeface="Courier"/>
+              </a:rPr>
+              <a:t>            .</a:t>
+            </a:r>
+            <a:r>
+              <a:rPr lang="en-US" sz="1200" dirty="0" err="1">
+                <a:latin typeface="Courier"/>
+                <a:cs typeface="Courier"/>
+              </a:rPr>
+              <a:t>observeOn</a:t>
+            </a:r>
+            <a:r>
+              <a:rPr lang="en-US" sz="1200" dirty="0">
+                <a:latin typeface="Courier"/>
+                <a:cs typeface="Courier"/>
+              </a:rPr>
+              <a:t>(</a:t>
+            </a:r>
+            <a:r>
+              <a:rPr lang="en-US" sz="1200" dirty="0" err="1">
+                <a:latin typeface="Courier"/>
+                <a:cs typeface="Courier"/>
+              </a:rPr>
+              <a:t>MainScheduler.instance</a:t>
+            </a:r>
+            <a:r>
+              <a:rPr lang="en-US" sz="1200" dirty="0">
+                <a:latin typeface="Courier"/>
+                <a:cs typeface="Courier"/>
+              </a:rPr>
+              <a:t>)</a:t>
+            </a:r>
+          </a:p>
+          <a:p>
+            <a:r>
+              <a:rPr lang="en-US" sz="1200" dirty="0">
+                <a:latin typeface="Courier"/>
+                <a:cs typeface="Courier"/>
+              </a:rPr>
+              <a:t>            .</a:t>
+            </a:r>
+            <a:r>
+              <a:rPr lang="en-US" sz="1200" dirty="0" err="1">
+                <a:latin typeface="Courier"/>
+                <a:cs typeface="Courier"/>
+              </a:rPr>
+              <a:t>trackActivity</a:t>
+            </a:r>
+            <a:r>
+              <a:rPr lang="en-US" sz="1200" dirty="0">
+                <a:latin typeface="Courier"/>
+                <a:cs typeface="Courier"/>
+              </a:rPr>
+              <a:t>(</a:t>
+            </a:r>
+            <a:r>
+              <a:rPr lang="en-US" sz="1200" dirty="0" err="1">
+                <a:latin typeface="Courier"/>
+                <a:cs typeface="Courier"/>
+              </a:rPr>
+              <a:t>viewModel.signingInIndicator</a:t>
+            </a:r>
+            <a:r>
+              <a:rPr lang="en-US" sz="1200" dirty="0">
+                <a:latin typeface="Courier"/>
+                <a:cs typeface="Courier"/>
+              </a:rPr>
+              <a:t>)</a:t>
+            </a:r>
+          </a:p>
+          <a:p>
             <a:r>
               <a:rPr lang="mr-IN" sz="1200" dirty="0">
                 <a:latin typeface="Courier"/>
                 <a:cs typeface="Courier"/>
               </a:rPr>
-              <a:t>in</a:t>
+              <a:t>            .subscribe(onNext: { _ in</a:t>
+            </a:r>
+          </a:p>
+          <a:p>
+            <a:r>
+              <a:rPr lang="mr-IN" sz="1200" dirty="0">
+                <a:latin typeface="Courier"/>
+                <a:cs typeface="Courier"/>
+              </a:rPr>
+              <a:t>            })</a:t>
             </a:r>
           </a:p>
           <a:p>
@@ -8215,131 +8416,21 @@
                 <a:latin typeface="Courier"/>
                 <a:cs typeface="Courier"/>
               </a:rPr>
-              <a:t>                </a:t>
+              <a:t>            .disposed(by: </a:t>
             </a:r>
             <a:r>
               <a:rPr lang="en-US" sz="1200" dirty="0" err="1">
                 <a:latin typeface="Courier"/>
                 <a:cs typeface="Courier"/>
               </a:rPr>
-              <a:t>viewModel.simpleObservable</a:t>
+              <a:t>self.disposeBag</a:t>
             </a:r>
             <a:r>
               <a:rPr lang="en-US" sz="1200" dirty="0">
                 <a:latin typeface="Courier"/>
                 <a:cs typeface="Courier"/>
               </a:rPr>
-              <a:t>()</a:t>
-            </a:r>
-          </a:p>
-          <a:p>
-            <a:r>
-              <a:rPr lang="en-US" sz="1200" dirty="0">
-                <a:latin typeface="Courier"/>
-                <a:cs typeface="Courier"/>
-              </a:rPr>
-              <a:t>                    .</a:t>
-            </a:r>
-            <a:r>
-              <a:rPr lang="en-US" sz="1200" dirty="0" err="1">
-                <a:latin typeface="Courier"/>
-                <a:cs typeface="Courier"/>
-              </a:rPr>
-              <a:t>observeOn</a:t>
-            </a:r>
-            <a:r>
-              <a:rPr lang="en-US" sz="1200" dirty="0">
-                <a:latin typeface="Courier"/>
-                <a:cs typeface="Courier"/>
-              </a:rPr>
-              <a:t>(</a:t>
-            </a:r>
-            <a:r>
-              <a:rPr lang="en-US" sz="1200" dirty="0" err="1">
-                <a:latin typeface="Courier"/>
-                <a:cs typeface="Courier"/>
-              </a:rPr>
-              <a:t>MainScheduler.instance</a:t>
-            </a:r>
-            <a:r>
-              <a:rPr lang="en-US" sz="1200" dirty="0">
-                <a:latin typeface="Courier"/>
-                <a:cs typeface="Courier"/>
-              </a:rPr>
               <a:t>)</a:t>
-            </a:r>
-          </a:p>
-          <a:p>
-            <a:r>
-              <a:rPr lang="en-US" sz="1200" dirty="0">
-                <a:latin typeface="Courier"/>
-                <a:cs typeface="Courier"/>
-              </a:rPr>
-              <a:t>                    .</a:t>
-            </a:r>
-            <a:r>
-              <a:rPr lang="en-US" sz="1200" dirty="0" err="1">
-                <a:latin typeface="Courier"/>
-                <a:cs typeface="Courier"/>
-              </a:rPr>
-              <a:t>trackActivity</a:t>
-            </a:r>
-            <a:r>
-              <a:rPr lang="en-US" sz="1200" dirty="0">
-                <a:latin typeface="Courier"/>
-                <a:cs typeface="Courier"/>
-              </a:rPr>
-              <a:t>(</a:t>
-            </a:r>
-            <a:r>
-              <a:rPr lang="en-US" sz="1200" dirty="0" err="1">
-                <a:latin typeface="Courier"/>
-                <a:cs typeface="Courier"/>
-              </a:rPr>
-              <a:t>viewModel.signingInIndicator</a:t>
-            </a:r>
-            <a:r>
-              <a:rPr lang="en-US" sz="1200" dirty="0">
-                <a:latin typeface="Courier"/>
-                <a:cs typeface="Courier"/>
-              </a:rPr>
-              <a:t>)</a:t>
-            </a:r>
-          </a:p>
-          <a:p>
-            <a:r>
-              <a:rPr lang="mr-IN" sz="1200" dirty="0">
-                <a:latin typeface="Courier"/>
-                <a:cs typeface="Courier"/>
-              </a:rPr>
-              <a:t>                    .subscribe(onNext: { _ in</a:t>
-            </a:r>
-          </a:p>
-          <a:p>
-            <a:r>
-              <a:rPr lang="mr-IN" sz="1200" dirty="0">
-                <a:latin typeface="Courier"/>
-                <a:cs typeface="Courier"/>
-              </a:rPr>
-              <a:t>                    })</a:t>
-            </a:r>
-          </a:p>
-          <a:p>
-            <a:r>
-              <a:rPr lang="mr-IN" sz="1200" dirty="0">
-                <a:latin typeface="Courier"/>
-                <a:cs typeface="Courier"/>
-              </a:rPr>
-              <a:t>                    .disposed(by: self.disposeBag)</a:t>
-            </a:r>
-          </a:p>
-          <a:p>
-            <a:r>
-              <a:rPr lang="mr-IN" sz="1200" dirty="0">
-                <a:latin typeface="Courier"/>
-                <a:cs typeface="Courier"/>
-              </a:rPr>
-              <a:t>            }).disposed(by: disposeBag)</a:t>
             </a:r>
           </a:p>
           <a:p>
